--- a/Pitch deck.pptx
+++ b/Pitch deck.pptx
@@ -5,26 +5,21 @@
     <p:sldMasterId id="2147483672" r:id="rId1"/>
   </p:sldMasterIdLst>
   <p:notesMasterIdLst>
-    <p:notesMasterId r:id="rId16"/>
+    <p:notesMasterId r:id="rId11"/>
   </p:notesMasterIdLst>
   <p:handoutMasterIdLst>
-    <p:handoutMasterId r:id="rId17"/>
+    <p:handoutMasterId r:id="rId12"/>
   </p:handoutMasterIdLst>
   <p:sldIdLst>
     <p:sldId id="258" r:id="rId2"/>
     <p:sldId id="259" r:id="rId3"/>
-    <p:sldId id="260" r:id="rId4"/>
+    <p:sldId id="262" r:id="rId4"/>
     <p:sldId id="261" r:id="rId5"/>
-    <p:sldId id="262" r:id="rId6"/>
-    <p:sldId id="268" r:id="rId7"/>
-    <p:sldId id="271" r:id="rId8"/>
-    <p:sldId id="263" r:id="rId9"/>
-    <p:sldId id="264" r:id="rId10"/>
-    <p:sldId id="265" r:id="rId11"/>
-    <p:sldId id="266" r:id="rId12"/>
-    <p:sldId id="267" r:id="rId13"/>
-    <p:sldId id="269" r:id="rId14"/>
-    <p:sldId id="270" r:id="rId15"/>
+    <p:sldId id="272" r:id="rId6"/>
+    <p:sldId id="273" r:id="rId7"/>
+    <p:sldId id="260" r:id="rId8"/>
+    <p:sldId id="266" r:id="rId9"/>
+    <p:sldId id="270" r:id="rId10"/>
   </p:sldIdLst>
   <p:sldSz cx="9144000" cy="5143500" type="screen16x9"/>
   <p:notesSz cx="6858000" cy="9144000"/>
@@ -130,17 +125,12 @@
           <p14:sldIdLst>
             <p14:sldId id="258"/>
             <p14:sldId id="259"/>
+            <p14:sldId id="262"/>
+            <p14:sldId id="261"/>
+            <p14:sldId id="272"/>
+            <p14:sldId id="273"/>
             <p14:sldId id="260"/>
-            <p14:sldId id="261"/>
-            <p14:sldId id="262"/>
-            <p14:sldId id="268"/>
-            <p14:sldId id="271"/>
-            <p14:sldId id="263"/>
-            <p14:sldId id="264"/>
-            <p14:sldId id="265"/>
             <p14:sldId id="266"/>
-            <p14:sldId id="267"/>
-            <p14:sldId id="269"/>
             <p14:sldId id="270"/>
           </p14:sldIdLst>
         </p14:section>
@@ -249,7 +239,7 @@
           <a:p>
             <a:fld id="{9CE6937D-10D5-9A4E-8AE5-3BD40A349CB2}" type="datetimeFigureOut">
               <a:rPr lang="en-US" smtClean="0"/>
-              <a:t>10/14/24</a:t>
+              <a:t>10/22/2024</a:t>
             </a:fld>
             <a:endParaRPr lang="en-US"/>
           </a:p>
@@ -415,7 +405,7 @@
           <a:p>
             <a:fld id="{9DD0FCC8-D1FC-D145-A009-25D2FF8D2EB2}" type="datetimeFigureOut">
               <a:rPr lang="en-US" smtClean="0"/>
-              <a:t>10/14/24</a:t>
+              <a:t>10/22/2024</a:t>
             </a:fld>
             <a:endParaRPr lang="en-US"/>
           </a:p>
@@ -727,84 +717,7 @@
           <a:bodyPr/>
           <a:lstStyle/>
           <a:p>
-            <a:r>
-              <a:rPr kumimoji="1" lang="en-US" altLang="zh-CN" dirty="0"/>
-              <a:t>Pruning &amp; Parallelization</a:t>
-            </a:r>
-          </a:p>
-          <a:p>
-            <a:pPr lvl="1"/>
-            <a:r>
-              <a:rPr kumimoji="1" lang="en-US" altLang="zh-CN" dirty="0"/>
-              <a:t>Use pruning to remove unnecessary branches, reducing model complexity and improving generalization.</a:t>
-            </a:r>
-          </a:p>
-          <a:p>
-            <a:pPr lvl="1"/>
-            <a:r>
-              <a:rPr kumimoji="1" lang="en-US" altLang="zh-CN" dirty="0"/>
-              <a:t>Apply parallel processing</a:t>
-            </a:r>
-          </a:p>
-          <a:p>
-            <a:r>
-              <a:rPr kumimoji="1" lang="en-US" altLang="zh-CN" dirty="0"/>
-              <a:t>Hyperparameter Tuning</a:t>
-            </a:r>
-          </a:p>
-          <a:p>
-            <a:pPr lvl="1"/>
-            <a:r>
-              <a:rPr kumimoji="1" lang="en-US" altLang="zh-CN" b="1" dirty="0"/>
-              <a:t>Limit tree depth</a:t>
-            </a:r>
-            <a:r>
-              <a:rPr kumimoji="1" lang="en-US" altLang="zh-CN" dirty="0"/>
-              <a:t> to balance between overfitting and underfitting.</a:t>
-            </a:r>
-          </a:p>
-          <a:p>
-            <a:pPr lvl="1"/>
-            <a:r>
-              <a:rPr kumimoji="1" lang="en-US" altLang="zh-CN" dirty="0"/>
-              <a:t>Increase minimum samples per leaf to avoid over-segmentation.</a:t>
-            </a:r>
-          </a:p>
-          <a:p>
-            <a:r>
-              <a:rPr kumimoji="1" lang="en-US" altLang="zh-CN" dirty="0"/>
-              <a:t>Enhanced Forest Algorithm</a:t>
-            </a:r>
-          </a:p>
-          <a:p>
-            <a:pPr lvl="1"/>
-            <a:r>
-              <a:rPr kumimoji="1" lang="en-US" altLang="zh-CN" dirty="0"/>
-              <a:t>Use Boosting techniques (e.g., </a:t>
-            </a:r>
-            <a:r>
-              <a:rPr kumimoji="1" lang="en-US" altLang="zh-CN" dirty="0" err="1"/>
-              <a:t>XGBoost</a:t>
-            </a:r>
-            <a:r>
-              <a:rPr kumimoji="1" lang="en-US" altLang="zh-CN" dirty="0"/>
-              <a:t>, </a:t>
-            </a:r>
-            <a:r>
-              <a:rPr kumimoji="1" lang="en-US" altLang="zh-CN" dirty="0" err="1"/>
-              <a:t>LightGBM</a:t>
-            </a:r>
-            <a:r>
-              <a:rPr kumimoji="1" lang="en-US" altLang="zh-CN" dirty="0"/>
-              <a:t>) to reduce errors and improve accuracy.</a:t>
-            </a:r>
-          </a:p>
-          <a:p>
-            <a:pPr lvl="1"/>
-            <a:r>
-              <a:rPr kumimoji="1" lang="en-US" altLang="zh-CN" dirty="0"/>
-              <a:t>Experiment with reducing the number of trees to increase training speed.</a:t>
-            </a:r>
+            <a:endParaRPr lang="zh-CN" altLang="en-US" dirty="0"/>
           </a:p>
         </p:txBody>
       </p:sp>
@@ -825,7 +738,7 @@
           <a:p>
             <a:fld id="{06146913-DBF3-5540-BABC-D9F21B354423}" type="slidenum">
               <a:rPr lang="en-US" smtClean="0"/>
-              <a:t>7</a:t>
+              <a:t>4</a:t>
             </a:fld>
             <a:endParaRPr lang="en-US"/>
           </a:p>
@@ -834,7 +747,223 @@
     </p:spTree>
     <p:extLst>
       <p:ext uri="{BB962C8B-B14F-4D97-AF65-F5344CB8AC3E}">
-        <p14:creationId xmlns:p14="http://schemas.microsoft.com/office/powerpoint/2010/main" val="1656269877"/>
+        <p14:creationId xmlns:p14="http://schemas.microsoft.com/office/powerpoint/2010/main" val="3064560843"/>
+      </p:ext>
+    </p:extLst>
+  </p:cSld>
+  <p:clrMapOvr>
+    <a:masterClrMapping/>
+  </p:clrMapOvr>
+</p:notes>
+</file>
+
+<file path=ppt/notesSlides/notesSlide2.xml><?xml version="1.0" encoding="utf-8"?>
+<p:notes xmlns:a="http://schemas.openxmlformats.org/drawingml/2006/main" xmlns:r="http://schemas.openxmlformats.org/officeDocument/2006/relationships" xmlns:p="http://schemas.openxmlformats.org/presentationml/2006/main">
+  <p:cSld>
+    <p:spTree>
+      <p:nvGrpSpPr>
+        <p:cNvPr id="1" name="">
+          <a:extLst>
+            <a:ext uri="{FF2B5EF4-FFF2-40B4-BE49-F238E27FC236}">
+              <a16:creationId xmlns:a16="http://schemas.microsoft.com/office/drawing/2014/main" id="{3DBC9850-C7E3-BB7A-8AE4-35AEA4F03526}"/>
+            </a:ext>
+          </a:extLst>
+        </p:cNvPr>
+        <p:cNvGrpSpPr/>
+        <p:nvPr/>
+      </p:nvGrpSpPr>
+      <p:grpSpPr>
+        <a:xfrm>
+          <a:off x="0" y="0"/>
+          <a:ext cx="0" cy="0"/>
+          <a:chOff x="0" y="0"/>
+          <a:chExt cx="0" cy="0"/>
+        </a:xfrm>
+      </p:grpSpPr>
+      <p:sp>
+        <p:nvSpPr>
+          <p:cNvPr id="2" name="幻灯片图像占位符 1">
+            <a:extLst>
+              <a:ext uri="{FF2B5EF4-FFF2-40B4-BE49-F238E27FC236}">
+                <a16:creationId xmlns:a16="http://schemas.microsoft.com/office/drawing/2014/main" id="{0D334188-3F5B-2351-89A6-4B2E1A52F31C}"/>
+              </a:ext>
+            </a:extLst>
+          </p:cNvPr>
+          <p:cNvSpPr>
+            <a:spLocks noGrp="1" noRot="1" noChangeAspect="1"/>
+          </p:cNvSpPr>
+          <p:nvPr>
+            <p:ph type="sldImg"/>
+          </p:nvPr>
+        </p:nvSpPr>
+        <p:spPr/>
+      </p:sp>
+      <p:sp>
+        <p:nvSpPr>
+          <p:cNvPr id="3" name="备注占位符 2">
+            <a:extLst>
+              <a:ext uri="{FF2B5EF4-FFF2-40B4-BE49-F238E27FC236}">
+                <a16:creationId xmlns:a16="http://schemas.microsoft.com/office/drawing/2014/main" id="{0C8B4F2C-8A0E-DB92-CDF8-229929AFDBA8}"/>
+              </a:ext>
+            </a:extLst>
+          </p:cNvPr>
+          <p:cNvSpPr>
+            <a:spLocks noGrp="1"/>
+          </p:cNvSpPr>
+          <p:nvPr>
+            <p:ph type="body" idx="1"/>
+          </p:nvPr>
+        </p:nvSpPr>
+        <p:spPr/>
+        <p:txBody>
+          <a:bodyPr/>
+          <a:lstStyle/>
+          <a:p>
+            <a:endParaRPr lang="zh-CN" altLang="en-US" dirty="0"/>
+          </a:p>
+        </p:txBody>
+      </p:sp>
+      <p:sp>
+        <p:nvSpPr>
+          <p:cNvPr id="4" name="灯片编号占位符 3">
+            <a:extLst>
+              <a:ext uri="{FF2B5EF4-FFF2-40B4-BE49-F238E27FC236}">
+                <a16:creationId xmlns:a16="http://schemas.microsoft.com/office/drawing/2014/main" id="{A7977452-41B7-1BB3-F41E-40FA90BB364E}"/>
+              </a:ext>
+            </a:extLst>
+          </p:cNvPr>
+          <p:cNvSpPr>
+            <a:spLocks noGrp="1"/>
+          </p:cNvSpPr>
+          <p:nvPr>
+            <p:ph type="sldNum" sz="quarter" idx="5"/>
+          </p:nvPr>
+        </p:nvSpPr>
+        <p:spPr/>
+        <p:txBody>
+          <a:bodyPr/>
+          <a:lstStyle/>
+          <a:p>
+            <a:fld id="{06146913-DBF3-5540-BABC-D9F21B354423}" type="slidenum">
+              <a:rPr lang="en-US" smtClean="0"/>
+              <a:t>5</a:t>
+            </a:fld>
+            <a:endParaRPr lang="en-US"/>
+          </a:p>
+        </p:txBody>
+      </p:sp>
+    </p:spTree>
+    <p:extLst>
+      <p:ext uri="{BB962C8B-B14F-4D97-AF65-F5344CB8AC3E}">
+        <p14:creationId xmlns:p14="http://schemas.microsoft.com/office/powerpoint/2010/main" val="164319142"/>
+      </p:ext>
+    </p:extLst>
+  </p:cSld>
+  <p:clrMapOvr>
+    <a:masterClrMapping/>
+  </p:clrMapOvr>
+</p:notes>
+</file>
+
+<file path=ppt/notesSlides/notesSlide3.xml><?xml version="1.0" encoding="utf-8"?>
+<p:notes xmlns:a="http://schemas.openxmlformats.org/drawingml/2006/main" xmlns:r="http://schemas.openxmlformats.org/officeDocument/2006/relationships" xmlns:p="http://schemas.openxmlformats.org/presentationml/2006/main">
+  <p:cSld>
+    <p:spTree>
+      <p:nvGrpSpPr>
+        <p:cNvPr id="1" name="">
+          <a:extLst>
+            <a:ext uri="{FF2B5EF4-FFF2-40B4-BE49-F238E27FC236}">
+              <a16:creationId xmlns:a16="http://schemas.microsoft.com/office/drawing/2014/main" id="{6B423648-B2BC-75CC-4BB2-D58A01FDF968}"/>
+            </a:ext>
+          </a:extLst>
+        </p:cNvPr>
+        <p:cNvGrpSpPr/>
+        <p:nvPr/>
+      </p:nvGrpSpPr>
+      <p:grpSpPr>
+        <a:xfrm>
+          <a:off x="0" y="0"/>
+          <a:ext cx="0" cy="0"/>
+          <a:chOff x="0" y="0"/>
+          <a:chExt cx="0" cy="0"/>
+        </a:xfrm>
+      </p:grpSpPr>
+      <p:sp>
+        <p:nvSpPr>
+          <p:cNvPr id="2" name="幻灯片图像占位符 1">
+            <a:extLst>
+              <a:ext uri="{FF2B5EF4-FFF2-40B4-BE49-F238E27FC236}">
+                <a16:creationId xmlns:a16="http://schemas.microsoft.com/office/drawing/2014/main" id="{A580A8A3-35CE-2CED-527F-DA16CAE0786A}"/>
+              </a:ext>
+            </a:extLst>
+          </p:cNvPr>
+          <p:cNvSpPr>
+            <a:spLocks noGrp="1" noRot="1" noChangeAspect="1"/>
+          </p:cNvSpPr>
+          <p:nvPr>
+            <p:ph type="sldImg"/>
+          </p:nvPr>
+        </p:nvSpPr>
+        <p:spPr/>
+      </p:sp>
+      <p:sp>
+        <p:nvSpPr>
+          <p:cNvPr id="3" name="备注占位符 2">
+            <a:extLst>
+              <a:ext uri="{FF2B5EF4-FFF2-40B4-BE49-F238E27FC236}">
+                <a16:creationId xmlns:a16="http://schemas.microsoft.com/office/drawing/2014/main" id="{878050F0-01A2-BD79-82E4-5D6BC07FC3D8}"/>
+              </a:ext>
+            </a:extLst>
+          </p:cNvPr>
+          <p:cNvSpPr>
+            <a:spLocks noGrp="1"/>
+          </p:cNvSpPr>
+          <p:nvPr>
+            <p:ph type="body" idx="1"/>
+          </p:nvPr>
+        </p:nvSpPr>
+        <p:spPr/>
+        <p:txBody>
+          <a:bodyPr/>
+          <a:lstStyle/>
+          <a:p>
+            <a:endParaRPr lang="zh-CN" altLang="en-US" dirty="0"/>
+          </a:p>
+        </p:txBody>
+      </p:sp>
+      <p:sp>
+        <p:nvSpPr>
+          <p:cNvPr id="4" name="灯片编号占位符 3">
+            <a:extLst>
+              <a:ext uri="{FF2B5EF4-FFF2-40B4-BE49-F238E27FC236}">
+                <a16:creationId xmlns:a16="http://schemas.microsoft.com/office/drawing/2014/main" id="{A3482BBE-0CB5-0E43-B287-E94D61EED82A}"/>
+              </a:ext>
+            </a:extLst>
+          </p:cNvPr>
+          <p:cNvSpPr>
+            <a:spLocks noGrp="1"/>
+          </p:cNvSpPr>
+          <p:nvPr>
+            <p:ph type="sldNum" sz="quarter" idx="5"/>
+          </p:nvPr>
+        </p:nvSpPr>
+        <p:spPr/>
+        <p:txBody>
+          <a:bodyPr/>
+          <a:lstStyle/>
+          <a:p>
+            <a:fld id="{06146913-DBF3-5540-BABC-D9F21B354423}" type="slidenum">
+              <a:rPr lang="en-US" smtClean="0"/>
+              <a:t>6</a:t>
+            </a:fld>
+            <a:endParaRPr lang="en-US"/>
+          </a:p>
+        </p:txBody>
+      </p:sp>
+    </p:spTree>
+    <p:extLst>
+      <p:ext uri="{BB962C8B-B14F-4D97-AF65-F5344CB8AC3E}">
+        <p14:creationId xmlns:p14="http://schemas.microsoft.com/office/powerpoint/2010/main" val="3895631580"/>
       </p:ext>
     </p:extLst>
   </p:cSld>
@@ -1605,7 +1734,7 @@
               </a14:hiddenLine>
             </a:ext>
             <a:ext uri="{FAA26D3D-D897-4be2-8F04-BA451C77F1D7}">
-              <ma14:placeholderFlag xmlns="" xmlns:ma14="http://schemas.microsoft.com/office/mac/drawingml/2011/main" val="1"/>
+              <ma14:placeholderFlag xmlns:ma14="http://schemas.microsoft.com/office/mac/drawingml/2011/main" xmlns="" val="1"/>
             </a:ext>
           </a:extLst>
         </p:spPr>
@@ -1666,7 +1795,7 @@
               </a14:hiddenLine>
             </a:ext>
             <a:ext uri="{FAA26D3D-D897-4be2-8F04-BA451C77F1D7}">
-              <ma14:placeholderFlag xmlns="" xmlns:ma14="http://schemas.microsoft.com/office/mac/drawingml/2011/main" val="1"/>
+              <ma14:placeholderFlag xmlns:ma14="http://schemas.microsoft.com/office/mac/drawingml/2011/main" xmlns="" val="1"/>
             </a:ext>
           </a:extLst>
         </p:spPr>
@@ -2315,7 +2444,11 @@
           <a:p>
             <a:r>
               <a:rPr lang="en-US" dirty="0"/>
-              <a:t>Cancer Detection</a:t>
+              <a:t>Cancer Detection P</a:t>
+            </a:r>
+            <a:r>
+              <a:rPr lang="en-US" altLang="zh-CN" dirty="0"/>
+              <a:t>rogress Report</a:t>
             </a:r>
             <a:endParaRPr lang="en-US" sz="1600" dirty="0"/>
           </a:p>
@@ -2377,7 +2510,7 @@
           <a:p>
             <a:r>
               <a:rPr lang="en-US" dirty="0"/>
-              <a:t>10/15/2024</a:t>
+              <a:t>10/22/2024</a:t>
             </a:r>
           </a:p>
         </p:txBody>
@@ -2395,7 +2528,118 @@
 </p:sld>
 </file>
 
-<file path=ppt/slides/slide10.xml><?xml version="1.0" encoding="utf-8"?>
+<file path=ppt/slides/slide2.xml><?xml version="1.0" encoding="utf-8"?>
+<p:sld xmlns:a="http://schemas.openxmlformats.org/drawingml/2006/main" xmlns:r="http://schemas.openxmlformats.org/officeDocument/2006/relationships" xmlns:p="http://schemas.openxmlformats.org/presentationml/2006/main">
+  <p:cSld>
+    <p:spTree>
+      <p:nvGrpSpPr>
+        <p:cNvPr id="1" name=""/>
+        <p:cNvGrpSpPr/>
+        <p:nvPr/>
+      </p:nvGrpSpPr>
+      <p:grpSpPr>
+        <a:xfrm>
+          <a:off x="0" y="0"/>
+          <a:ext cx="0" cy="0"/>
+          <a:chOff x="0" y="0"/>
+          <a:chExt cx="0" cy="0"/>
+        </a:xfrm>
+      </p:grpSpPr>
+      <p:sp>
+        <p:nvSpPr>
+          <p:cNvPr id="2" name="Title 1">
+            <a:extLst>
+              <a:ext uri="{FF2B5EF4-FFF2-40B4-BE49-F238E27FC236}">
+                <a16:creationId xmlns:a16="http://schemas.microsoft.com/office/drawing/2014/main" id="{736DC335-20B0-4D6C-9C21-9F0EE3801FF5}"/>
+              </a:ext>
+            </a:extLst>
+          </p:cNvPr>
+          <p:cNvSpPr>
+            <a:spLocks noGrp="1"/>
+          </p:cNvSpPr>
+          <p:nvPr>
+            <p:ph type="title"/>
+          </p:nvPr>
+        </p:nvSpPr>
+        <p:spPr/>
+        <p:txBody>
+          <a:bodyPr/>
+          <a:lstStyle/>
+          <a:p>
+            <a:r>
+              <a:rPr lang="en-US" dirty="0"/>
+              <a:t>Content</a:t>
+            </a:r>
+          </a:p>
+        </p:txBody>
+      </p:sp>
+      <p:sp>
+        <p:nvSpPr>
+          <p:cNvPr id="3" name="Content Placeholder 2">
+            <a:extLst>
+              <a:ext uri="{FF2B5EF4-FFF2-40B4-BE49-F238E27FC236}">
+                <a16:creationId xmlns:a16="http://schemas.microsoft.com/office/drawing/2014/main" id="{7597DE33-9AFD-444E-B65B-CBF97E257E25}"/>
+              </a:ext>
+            </a:extLst>
+          </p:cNvPr>
+          <p:cNvSpPr>
+            <a:spLocks noGrp="1"/>
+          </p:cNvSpPr>
+          <p:nvPr>
+            <p:ph idx="1"/>
+          </p:nvPr>
+        </p:nvSpPr>
+        <p:spPr/>
+        <p:txBody>
+          <a:bodyPr/>
+          <a:lstStyle/>
+          <a:p>
+            <a:r>
+              <a:rPr lang="en-US" altLang="zh-CN" dirty="0"/>
+              <a:t>Recalling</a:t>
+            </a:r>
+          </a:p>
+          <a:p>
+            <a:r>
+              <a:rPr lang="en-US" altLang="zh-CN" dirty="0"/>
+              <a:t>Visualization of the Dataset</a:t>
+            </a:r>
+            <a:endParaRPr lang="en-US" dirty="0"/>
+          </a:p>
+          <a:p>
+            <a:r>
+              <a:rPr lang="en-US" dirty="0"/>
+              <a:t>Results of Tests on Three Normal Datasets</a:t>
+            </a:r>
+          </a:p>
+          <a:p>
+            <a:r>
+              <a:rPr lang="en-US" dirty="0"/>
+              <a:t>Profile the Code</a:t>
+            </a:r>
+          </a:p>
+          <a:p>
+            <a:r>
+              <a:rPr lang="en-US" dirty="0"/>
+              <a:t>Timeline</a:t>
+            </a:r>
+          </a:p>
+        </p:txBody>
+      </p:sp>
+    </p:spTree>
+    <p:extLst>
+      <p:ext uri="{BB962C8B-B14F-4D97-AF65-F5344CB8AC3E}">
+        <p14:creationId xmlns:p14="http://schemas.microsoft.com/office/powerpoint/2010/main" val="2197507809"/>
+      </p:ext>
+    </p:extLst>
+  </p:cSld>
+  <p:clrMapOvr>
+    <a:masterClrMapping/>
+  </p:clrMapOvr>
+</p:sld>
+</file>
+
+<file path=ppt/slides/slide3.xml><?xml version="1.0" encoding="utf-8"?>
 <p:sld xmlns:a="http://schemas.openxmlformats.org/drawingml/2006/main" xmlns:r="http://schemas.openxmlformats.org/officeDocument/2006/relationships" xmlns:p="http://schemas.openxmlformats.org/presentationml/2006/main">
   <p:cSld>
     <p:spTree>
@@ -2417,7 +2661,7 @@
           <p:cNvPr id="2" name="标题 1">
             <a:extLst>
               <a:ext uri="{FF2B5EF4-FFF2-40B4-BE49-F238E27FC236}">
-                <a16:creationId xmlns:a16="http://schemas.microsoft.com/office/drawing/2014/main" id="{02E5004B-EAD7-14F7-3168-4D05C728E5D4}"/>
+                <a16:creationId xmlns:a16="http://schemas.microsoft.com/office/drawing/2014/main" id="{F3329123-B90E-1226-8C2E-E20AA8043EC6}"/>
               </a:ext>
             </a:extLst>
           </p:cNvPr>
@@ -2435,7 +2679,7 @@
           <a:p>
             <a:r>
               <a:rPr kumimoji="1" lang="en-US" altLang="zh-CN" dirty="0"/>
-              <a:t>Cost - How much will it cost?</a:t>
+              <a:t>Recalling-How to detect cancers</a:t>
             </a:r>
             <a:endParaRPr kumimoji="1" lang="zh-CN" altLang="en-US" dirty="0"/>
           </a:p>
@@ -2446,7 +2690,7 @@
           <p:cNvPr id="3" name="内容占位符 2">
             <a:extLst>
               <a:ext uri="{FF2B5EF4-FFF2-40B4-BE49-F238E27FC236}">
-                <a16:creationId xmlns:a16="http://schemas.microsoft.com/office/drawing/2014/main" id="{F34733E7-16E9-F210-7FB4-AC30DAF07492}"/>
+                <a16:creationId xmlns:a16="http://schemas.microsoft.com/office/drawing/2014/main" id="{E01A8020-1D88-01F0-962E-276D97D8CB8A}"/>
               </a:ext>
             </a:extLst>
           </p:cNvPr>
@@ -2462,109 +2706,57 @@
           <a:bodyPr/>
           <a:lstStyle/>
           <a:p>
-            <a:pPr>
-              <a:lnSpc>
-                <a:spcPct val="150000"/>
-              </a:lnSpc>
-            </a:pPr>
             <a:r>
               <a:rPr kumimoji="1" lang="en-US" altLang="zh-CN" sz="2000" dirty="0"/>
-              <a:t>Time</a:t>
-            </a:r>
-          </a:p>
-          <a:p>
-            <a:pPr lvl="1">
-              <a:lnSpc>
-                <a:spcPct val="150000"/>
-              </a:lnSpc>
-            </a:pPr>
-            <a:r>
-              <a:rPr kumimoji="1" lang="en-US" altLang="zh-CN" sz="1800" dirty="0"/>
-              <a:t>About</a:t>
-            </a:r>
-            <a:r>
-              <a:rPr kumimoji="1" lang="zh-CN" altLang="en-US" sz="1800" dirty="0"/>
-              <a:t> </a:t>
-            </a:r>
-            <a:r>
-              <a:rPr kumimoji="1" lang="en-US" altLang="zh-CN" sz="1800" dirty="0"/>
-              <a:t>10 hours per week for development and testing</a:t>
-            </a:r>
-          </a:p>
-          <a:p>
-            <a:pPr>
-              <a:lnSpc>
-                <a:spcPct val="150000"/>
-              </a:lnSpc>
-            </a:pPr>
+              <a:t>MIGHT </a:t>
+            </a:r>
+            <a:r>
+              <a:rPr kumimoji="1" lang="en-US" altLang="zh-CN" dirty="0"/>
+              <a:t>(Multidimensional-Informed Generalized Hypothesis Technology)</a:t>
+            </a:r>
+          </a:p>
+          <a:p>
             <a:r>
               <a:rPr kumimoji="1" lang="en-US" altLang="zh-CN" sz="2000" dirty="0"/>
-              <a:t>Computing Power</a:t>
-            </a:r>
-          </a:p>
-          <a:p>
-            <a:pPr lvl="1">
-              <a:lnSpc>
-                <a:spcPct val="150000"/>
-              </a:lnSpc>
-            </a:pPr>
-            <a:r>
-              <a:rPr kumimoji="1" lang="en-US" altLang="zh-CN" sz="1800" dirty="0"/>
-              <a:t>About</a:t>
-            </a:r>
-            <a:r>
-              <a:rPr kumimoji="1" lang="zh-CN" altLang="en-US" sz="1800" dirty="0"/>
-              <a:t> </a:t>
-            </a:r>
-            <a:r>
-              <a:rPr kumimoji="1" lang="en-US" altLang="zh-CN" sz="1800" dirty="0"/>
-              <a:t>300 hours of processing time</a:t>
-            </a:r>
-          </a:p>
-          <a:p>
-            <a:pPr>
-              <a:lnSpc>
-                <a:spcPct val="150000"/>
-              </a:lnSpc>
-            </a:pPr>
+              <a:t>Core Technique: Decision trees &amp; forests</a:t>
+            </a:r>
+          </a:p>
+          <a:p>
             <a:r>
               <a:rPr kumimoji="1" lang="en-US" altLang="zh-CN" sz="2000" dirty="0"/>
-              <a:t>Labor</a:t>
-            </a:r>
-          </a:p>
-          <a:p>
-            <a:pPr lvl="1">
-              <a:lnSpc>
-                <a:spcPct val="150000"/>
-              </a:lnSpc>
-            </a:pPr>
-            <a:r>
-              <a:rPr kumimoji="1" lang="en-US" altLang="zh-CN" sz="1800" dirty="0"/>
-              <a:t>4</a:t>
-            </a:r>
-            <a:r>
-              <a:rPr kumimoji="1" lang="zh-CN" altLang="en-US" sz="1800" dirty="0"/>
-              <a:t> </a:t>
-            </a:r>
-            <a:r>
-              <a:rPr kumimoji="1" lang="en-US" altLang="zh-CN" sz="1800" dirty="0"/>
-              <a:t>members</a:t>
-            </a:r>
-            <a:r>
-              <a:rPr kumimoji="1" lang="zh-CN" altLang="en-US" sz="1800" dirty="0"/>
-              <a:t> </a:t>
-            </a:r>
-            <a:r>
-              <a:rPr kumimoji="1" lang="en-US" altLang="zh-CN" sz="1800" dirty="0"/>
-              <a:t>of out team</a:t>
-            </a:r>
+              <a:t>Strengths:</a:t>
+            </a:r>
+          </a:p>
+          <a:p>
+            <a:pPr lvl="1"/>
+            <a:r>
+              <a:rPr kumimoji="1" lang="en-US" altLang="zh-CN" sz="1600" dirty="0"/>
+              <a:t>Universal applicability across datasets, variables, and outcomes</a:t>
+            </a:r>
+          </a:p>
+          <a:p>
+            <a:pPr lvl="1"/>
+            <a:r>
+              <a:rPr kumimoji="1" lang="en-US" altLang="zh-CN" sz="1600" dirty="0"/>
+              <a:t>Optimizes dataset for specific biomedical outcomes (e.g., cancer types)</a:t>
+            </a:r>
+          </a:p>
+          <a:p>
+            <a:pPr lvl="1"/>
+            <a:r>
+              <a:rPr kumimoji="1" lang="en-US" altLang="zh-CN" sz="1600" dirty="0"/>
+              <a:t>Flexible for early-stage cancer detection across diverse types</a:t>
+            </a:r>
+          </a:p>
+          <a:p>
+            <a:endParaRPr kumimoji="1" lang="zh-CN" altLang="en-US" dirty="0"/>
           </a:p>
         </p:txBody>
       </p:sp>
     </p:spTree>
     <p:extLst>
       <p:ext uri="{BB962C8B-B14F-4D97-AF65-F5344CB8AC3E}">
-        <p14:creationId xmlns:p14="http://schemas.microsoft.com/office/powerpoint/2010/main" val="1216778166"/>
+        <p14:creationId xmlns:p14="http://schemas.microsoft.com/office/powerpoint/2010/main" val="567968500"/>
       </p:ext>
     </p:extLst>
   </p:cSld>
@@ -2574,7 +2766,540 @@
 </p:sld>
 </file>
 
-<file path=ppt/slides/slide11.xml><?xml version="1.0" encoding="utf-8"?>
+<file path=ppt/slides/slide4.xml><?xml version="1.0" encoding="utf-8"?>
+<p:sld xmlns:a="http://schemas.openxmlformats.org/drawingml/2006/main" xmlns:r="http://schemas.openxmlformats.org/officeDocument/2006/relationships" xmlns:p="http://schemas.openxmlformats.org/presentationml/2006/main">
+  <p:cSld>
+    <p:spTree>
+      <p:nvGrpSpPr>
+        <p:cNvPr id="1" name=""/>
+        <p:cNvGrpSpPr/>
+        <p:nvPr/>
+      </p:nvGrpSpPr>
+      <p:grpSpPr>
+        <a:xfrm>
+          <a:off x="0" y="0"/>
+          <a:ext cx="0" cy="0"/>
+          <a:chOff x="0" y="0"/>
+          <a:chExt cx="0" cy="0"/>
+        </a:xfrm>
+      </p:grpSpPr>
+      <p:sp>
+        <p:nvSpPr>
+          <p:cNvPr id="2" name="标题 1">
+            <a:extLst>
+              <a:ext uri="{FF2B5EF4-FFF2-40B4-BE49-F238E27FC236}">
+                <a16:creationId xmlns:a16="http://schemas.microsoft.com/office/drawing/2014/main" id="{4E2D0813-F2C3-5C52-C372-E8418E5A8A42}"/>
+              </a:ext>
+            </a:extLst>
+          </p:cNvPr>
+          <p:cNvSpPr>
+            <a:spLocks noGrp="1"/>
+          </p:cNvSpPr>
+          <p:nvPr>
+            <p:ph type="title"/>
+          </p:nvPr>
+        </p:nvSpPr>
+        <p:spPr/>
+        <p:txBody>
+          <a:bodyPr/>
+          <a:lstStyle/>
+          <a:p>
+            <a:r>
+              <a:rPr lang="en-US" altLang="zh-CN" dirty="0"/>
+              <a:t>Visualization of the dataset</a:t>
+            </a:r>
+            <a:endParaRPr kumimoji="1" lang="zh-CN" altLang="en-US" dirty="0"/>
+          </a:p>
+        </p:txBody>
+      </p:sp>
+      <p:sp>
+        <p:nvSpPr>
+          <p:cNvPr id="3" name="内容占位符 2">
+            <a:extLst>
+              <a:ext uri="{FF2B5EF4-FFF2-40B4-BE49-F238E27FC236}">
+                <a16:creationId xmlns:a16="http://schemas.microsoft.com/office/drawing/2014/main" id="{BDC20E12-9CF2-942C-7520-1ED731F96332}"/>
+              </a:ext>
+            </a:extLst>
+          </p:cNvPr>
+          <p:cNvSpPr>
+            <a:spLocks noGrp="1"/>
+          </p:cNvSpPr>
+          <p:nvPr>
+            <p:ph idx="1"/>
+          </p:nvPr>
+        </p:nvSpPr>
+        <p:spPr>
+          <a:xfrm>
+            <a:off x="182931" y="1143000"/>
+            <a:ext cx="3571386" cy="3829050"/>
+          </a:xfrm>
+        </p:spPr>
+        <p:txBody>
+          <a:bodyPr/>
+          <a:lstStyle/>
+          <a:p>
+            <a:pPr>
+              <a:lnSpc>
+                <a:spcPct val="150000"/>
+              </a:lnSpc>
+              <a:buFont typeface="Wingdings" panose="05000000000000000000" pitchFamily="2" charset="2"/>
+              <a:buChar char="l"/>
+            </a:pPr>
+            <a:r>
+              <a:rPr lang="en-US" altLang="zh-CN" sz="1600" dirty="0"/>
+              <a:t>X - concentration of CG after normalization </a:t>
+            </a:r>
+          </a:p>
+          <a:p>
+            <a:pPr>
+              <a:lnSpc>
+                <a:spcPct val="150000"/>
+              </a:lnSpc>
+              <a:buFont typeface="Wingdings" panose="05000000000000000000" pitchFamily="2" charset="2"/>
+              <a:buChar char="l"/>
+            </a:pPr>
+            <a:r>
+              <a:rPr lang="en-US" altLang="zh-CN" sz="1600" dirty="0"/>
+              <a:t>Y - features (different part on chromosome) </a:t>
+            </a:r>
+          </a:p>
+          <a:p>
+            <a:pPr>
+              <a:lnSpc>
+                <a:spcPct val="150000"/>
+              </a:lnSpc>
+              <a:buFont typeface="Wingdings" panose="05000000000000000000" pitchFamily="2" charset="2"/>
+              <a:buChar char="l"/>
+            </a:pPr>
+            <a:r>
+              <a:rPr lang="en-US" altLang="zh-CN" sz="1600" dirty="0"/>
+              <a:t>Figure 1: Boxplot of all the samples that are NOT having cancer (Negative samples) </a:t>
+            </a:r>
+            <a:endParaRPr kumimoji="1" lang="en-US" altLang="zh-CN" sz="1600" dirty="0"/>
+          </a:p>
+        </p:txBody>
+      </p:sp>
+      <p:pic>
+        <p:nvPicPr>
+          <p:cNvPr id="5" name="图片 4">
+            <a:extLst>
+              <a:ext uri="{FF2B5EF4-FFF2-40B4-BE49-F238E27FC236}">
+                <a16:creationId xmlns:a16="http://schemas.microsoft.com/office/drawing/2014/main" id="{98A70A23-D93C-0CD7-8997-056BAF8F51CF}"/>
+              </a:ext>
+            </a:extLst>
+          </p:cNvPr>
+          <p:cNvPicPr>
+            <a:picLocks noChangeAspect="1"/>
+          </p:cNvPicPr>
+          <p:nvPr/>
+        </p:nvPicPr>
+        <p:blipFill>
+          <a:blip r:embed="rId3"/>
+          <a:srcRect l="1282" r="6006"/>
+          <a:stretch/>
+        </p:blipFill>
+        <p:spPr>
+          <a:xfrm>
+            <a:off x="3560884" y="854626"/>
+            <a:ext cx="5583116" cy="3618460"/>
+          </a:xfrm>
+          <a:prstGeom prst="rect">
+            <a:avLst/>
+          </a:prstGeom>
+        </p:spPr>
+      </p:pic>
+    </p:spTree>
+    <p:extLst>
+      <p:ext uri="{BB962C8B-B14F-4D97-AF65-F5344CB8AC3E}">
+        <p14:creationId xmlns:p14="http://schemas.microsoft.com/office/powerpoint/2010/main" val="831134928"/>
+      </p:ext>
+    </p:extLst>
+  </p:cSld>
+  <p:clrMapOvr>
+    <a:masterClrMapping/>
+  </p:clrMapOvr>
+</p:sld>
+</file>
+
+<file path=ppt/slides/slide5.xml><?xml version="1.0" encoding="utf-8"?>
+<p:sld xmlns:a="http://schemas.openxmlformats.org/drawingml/2006/main" xmlns:r="http://schemas.openxmlformats.org/officeDocument/2006/relationships" xmlns:p="http://schemas.openxmlformats.org/presentationml/2006/main">
+  <p:cSld>
+    <p:spTree>
+      <p:nvGrpSpPr>
+        <p:cNvPr id="1" name="">
+          <a:extLst>
+            <a:ext uri="{FF2B5EF4-FFF2-40B4-BE49-F238E27FC236}">
+              <a16:creationId xmlns:a16="http://schemas.microsoft.com/office/drawing/2014/main" id="{7CE349C8-9DB1-6AFD-F0DD-8F4897CD78A4}"/>
+            </a:ext>
+          </a:extLst>
+        </p:cNvPr>
+        <p:cNvGrpSpPr/>
+        <p:nvPr/>
+      </p:nvGrpSpPr>
+      <p:grpSpPr>
+        <a:xfrm>
+          <a:off x="0" y="0"/>
+          <a:ext cx="0" cy="0"/>
+          <a:chOff x="0" y="0"/>
+          <a:chExt cx="0" cy="0"/>
+        </a:xfrm>
+      </p:grpSpPr>
+      <p:sp>
+        <p:nvSpPr>
+          <p:cNvPr id="2" name="标题 1">
+            <a:extLst>
+              <a:ext uri="{FF2B5EF4-FFF2-40B4-BE49-F238E27FC236}">
+                <a16:creationId xmlns:a16="http://schemas.microsoft.com/office/drawing/2014/main" id="{C6E11277-5916-FDC6-9690-77D6E8F1D261}"/>
+              </a:ext>
+            </a:extLst>
+          </p:cNvPr>
+          <p:cNvSpPr>
+            <a:spLocks noGrp="1"/>
+          </p:cNvSpPr>
+          <p:nvPr>
+            <p:ph type="title"/>
+          </p:nvPr>
+        </p:nvSpPr>
+        <p:spPr/>
+        <p:txBody>
+          <a:bodyPr/>
+          <a:lstStyle/>
+          <a:p>
+            <a:r>
+              <a:rPr lang="en-US" altLang="zh-CN" dirty="0"/>
+              <a:t>Visualization of the dataset</a:t>
+            </a:r>
+            <a:endParaRPr kumimoji="1" lang="zh-CN" altLang="en-US" dirty="0"/>
+          </a:p>
+        </p:txBody>
+      </p:sp>
+      <p:sp>
+        <p:nvSpPr>
+          <p:cNvPr id="3" name="内容占位符 2">
+            <a:extLst>
+              <a:ext uri="{FF2B5EF4-FFF2-40B4-BE49-F238E27FC236}">
+                <a16:creationId xmlns:a16="http://schemas.microsoft.com/office/drawing/2014/main" id="{30771334-506E-FE30-28EA-DB329DF8BD6F}"/>
+              </a:ext>
+            </a:extLst>
+          </p:cNvPr>
+          <p:cNvSpPr>
+            <a:spLocks noGrp="1"/>
+          </p:cNvSpPr>
+          <p:nvPr>
+            <p:ph idx="1"/>
+          </p:nvPr>
+        </p:nvSpPr>
+        <p:spPr>
+          <a:xfrm>
+            <a:off x="182931" y="1005312"/>
+            <a:ext cx="3571386" cy="3829050"/>
+          </a:xfrm>
+        </p:spPr>
+        <p:txBody>
+          <a:bodyPr/>
+          <a:lstStyle/>
+          <a:p>
+            <a:pPr>
+              <a:lnSpc>
+                <a:spcPct val="150000"/>
+              </a:lnSpc>
+              <a:buFont typeface="Wingdings" panose="05000000000000000000" pitchFamily="2" charset="2"/>
+              <a:buChar char="l"/>
+            </a:pPr>
+            <a:r>
+              <a:rPr lang="en-US" altLang="zh-CN" sz="1600" dirty="0"/>
+              <a:t>There are less extreme value in this class. </a:t>
+            </a:r>
+          </a:p>
+          <a:p>
+            <a:pPr>
+              <a:lnSpc>
+                <a:spcPct val="150000"/>
+              </a:lnSpc>
+              <a:buFont typeface="Wingdings" panose="05000000000000000000" pitchFamily="2" charset="2"/>
+              <a:buChar char="l"/>
+            </a:pPr>
+            <a:r>
+              <a:rPr lang="en-US" altLang="zh-CN" sz="1600" dirty="0"/>
+              <a:t>Max: about 15, Min: about -14 </a:t>
+            </a:r>
+          </a:p>
+          <a:p>
+            <a:pPr>
+              <a:lnSpc>
+                <a:spcPct val="150000"/>
+              </a:lnSpc>
+              <a:buFont typeface="Wingdings" panose="05000000000000000000" pitchFamily="2" charset="2"/>
+              <a:buChar char="l"/>
+            </a:pPr>
+            <a:r>
+              <a:rPr lang="en-US" altLang="zh-CN" sz="1600" dirty="0"/>
+              <a:t>Figure 2: Boxplot of all the samples that are having cancer (Positive samples)</a:t>
+            </a:r>
+          </a:p>
+          <a:p>
+            <a:pPr>
+              <a:lnSpc>
+                <a:spcPct val="150000"/>
+              </a:lnSpc>
+              <a:buFont typeface="Wingdings" panose="05000000000000000000" pitchFamily="2" charset="2"/>
+              <a:buChar char="l"/>
+            </a:pPr>
+            <a:r>
+              <a:rPr lang="en-US" altLang="zh-CN" sz="1600" dirty="0"/>
+              <a:t>A lot of extreme values from -40 to 120</a:t>
+            </a:r>
+            <a:endParaRPr kumimoji="1" lang="en-US" altLang="zh-CN" sz="1600" dirty="0"/>
+          </a:p>
+        </p:txBody>
+      </p:sp>
+      <p:pic>
+        <p:nvPicPr>
+          <p:cNvPr id="6" name="图片 5">
+            <a:extLst>
+              <a:ext uri="{FF2B5EF4-FFF2-40B4-BE49-F238E27FC236}">
+                <a16:creationId xmlns:a16="http://schemas.microsoft.com/office/drawing/2014/main" id="{48600101-A0BA-9C25-F37E-A776F8EA4E4C}"/>
+              </a:ext>
+            </a:extLst>
+          </p:cNvPr>
+          <p:cNvPicPr>
+            <a:picLocks noChangeAspect="1"/>
+          </p:cNvPicPr>
+          <p:nvPr/>
+        </p:nvPicPr>
+        <p:blipFill>
+          <a:blip r:embed="rId3"/>
+          <a:stretch>
+            <a:fillRect/>
+          </a:stretch>
+        </p:blipFill>
+        <p:spPr>
+          <a:xfrm>
+            <a:off x="3480328" y="849248"/>
+            <a:ext cx="5480741" cy="3604451"/>
+          </a:xfrm>
+          <a:prstGeom prst="rect">
+            <a:avLst/>
+          </a:prstGeom>
+        </p:spPr>
+      </p:pic>
+    </p:spTree>
+    <p:extLst>
+      <p:ext uri="{BB962C8B-B14F-4D97-AF65-F5344CB8AC3E}">
+        <p14:creationId xmlns:p14="http://schemas.microsoft.com/office/powerpoint/2010/main" val="1217792769"/>
+      </p:ext>
+    </p:extLst>
+  </p:cSld>
+  <p:clrMapOvr>
+    <a:masterClrMapping/>
+  </p:clrMapOvr>
+</p:sld>
+</file>
+
+<file path=ppt/slides/slide6.xml><?xml version="1.0" encoding="utf-8"?>
+<p:sld xmlns:a="http://schemas.openxmlformats.org/drawingml/2006/main" xmlns:r="http://schemas.openxmlformats.org/officeDocument/2006/relationships" xmlns:p="http://schemas.openxmlformats.org/presentationml/2006/main">
+  <p:cSld>
+    <p:spTree>
+      <p:nvGrpSpPr>
+        <p:cNvPr id="1" name="">
+          <a:extLst>
+            <a:ext uri="{FF2B5EF4-FFF2-40B4-BE49-F238E27FC236}">
+              <a16:creationId xmlns:a16="http://schemas.microsoft.com/office/drawing/2014/main" id="{F3B91857-69D5-9F40-F60D-F13981DE7606}"/>
+            </a:ext>
+          </a:extLst>
+        </p:cNvPr>
+        <p:cNvGrpSpPr/>
+        <p:nvPr/>
+      </p:nvGrpSpPr>
+      <p:grpSpPr>
+        <a:xfrm>
+          <a:off x="0" y="0"/>
+          <a:ext cx="0" cy="0"/>
+          <a:chOff x="0" y="0"/>
+          <a:chExt cx="0" cy="0"/>
+        </a:xfrm>
+      </p:grpSpPr>
+      <p:sp>
+        <p:nvSpPr>
+          <p:cNvPr id="2" name="标题 1">
+            <a:extLst>
+              <a:ext uri="{FF2B5EF4-FFF2-40B4-BE49-F238E27FC236}">
+                <a16:creationId xmlns:a16="http://schemas.microsoft.com/office/drawing/2014/main" id="{46F28543-173F-7EE3-D8D4-CECA0E9C66CE}"/>
+              </a:ext>
+            </a:extLst>
+          </p:cNvPr>
+          <p:cNvSpPr>
+            <a:spLocks noGrp="1"/>
+          </p:cNvSpPr>
+          <p:nvPr>
+            <p:ph type="title"/>
+          </p:nvPr>
+        </p:nvSpPr>
+        <p:spPr/>
+        <p:txBody>
+          <a:bodyPr/>
+          <a:lstStyle/>
+          <a:p>
+            <a:r>
+              <a:rPr lang="en-US" altLang="zh-CN" dirty="0"/>
+              <a:t>Visualization of the dataset</a:t>
+            </a:r>
+            <a:endParaRPr kumimoji="1" lang="zh-CN" altLang="en-US" dirty="0"/>
+          </a:p>
+        </p:txBody>
+      </p:sp>
+      <p:sp>
+        <p:nvSpPr>
+          <p:cNvPr id="4" name="内容占位符 3">
+            <a:extLst>
+              <a:ext uri="{FF2B5EF4-FFF2-40B4-BE49-F238E27FC236}">
+                <a16:creationId xmlns:a16="http://schemas.microsoft.com/office/drawing/2014/main" id="{6E8741B9-D31C-C762-7EE9-94F24F75BD8B}"/>
+              </a:ext>
+            </a:extLst>
+          </p:cNvPr>
+          <p:cNvSpPr>
+            <a:spLocks noGrp="1"/>
+          </p:cNvSpPr>
+          <p:nvPr>
+            <p:ph idx="1"/>
+          </p:nvPr>
+        </p:nvSpPr>
+        <p:spPr>
+          <a:xfrm>
+            <a:off x="369887" y="2228850"/>
+            <a:ext cx="8404225" cy="685800"/>
+          </a:xfrm>
+        </p:spPr>
+        <p:txBody>
+          <a:bodyPr/>
+          <a:lstStyle/>
+          <a:p>
+            <a:pPr marL="0" indent="0" algn="ctr">
+              <a:buNone/>
+            </a:pPr>
+            <a:r>
+              <a:rPr lang="en-US" altLang="zh-CN" sz="1800" b="1" dirty="0"/>
+              <a:t>Question</a:t>
+            </a:r>
+            <a:r>
+              <a:rPr lang="en-US" altLang="zh-CN" sz="1800" dirty="0"/>
+              <a:t>: What is the meaning of extreme data? </a:t>
+            </a:r>
+          </a:p>
+          <a:p>
+            <a:pPr marL="0" indent="0" algn="ctr">
+              <a:buNone/>
+            </a:pPr>
+            <a:r>
+              <a:rPr lang="en-US" altLang="zh-CN" sz="1800" dirty="0"/>
+              <a:t>Significant Features or Bad Samples?</a:t>
+            </a:r>
+            <a:endParaRPr lang="zh-CN" altLang="en-US" dirty="0"/>
+          </a:p>
+        </p:txBody>
+      </p:sp>
+    </p:spTree>
+    <p:extLst>
+      <p:ext uri="{BB962C8B-B14F-4D97-AF65-F5344CB8AC3E}">
+        <p14:creationId xmlns:p14="http://schemas.microsoft.com/office/powerpoint/2010/main" val="1224257820"/>
+      </p:ext>
+    </p:extLst>
+  </p:cSld>
+  <p:clrMapOvr>
+    <a:masterClrMapping/>
+  </p:clrMapOvr>
+</p:sld>
+</file>
+
+<file path=ppt/slides/slide7.xml><?xml version="1.0" encoding="utf-8"?>
+<p:sld xmlns:a="http://schemas.openxmlformats.org/drawingml/2006/main" xmlns:r="http://schemas.openxmlformats.org/officeDocument/2006/relationships" xmlns:p="http://schemas.openxmlformats.org/presentationml/2006/main">
+  <p:cSld>
+    <p:spTree>
+      <p:nvGrpSpPr>
+        <p:cNvPr id="1" name=""/>
+        <p:cNvGrpSpPr/>
+        <p:nvPr/>
+      </p:nvGrpSpPr>
+      <p:grpSpPr>
+        <a:xfrm>
+          <a:off x="0" y="0"/>
+          <a:ext cx="0" cy="0"/>
+          <a:chOff x="0" y="0"/>
+          <a:chExt cx="0" cy="0"/>
+        </a:xfrm>
+      </p:grpSpPr>
+      <p:sp>
+        <p:nvSpPr>
+          <p:cNvPr id="2" name="标题 1">
+            <a:extLst>
+              <a:ext uri="{FF2B5EF4-FFF2-40B4-BE49-F238E27FC236}">
+                <a16:creationId xmlns:a16="http://schemas.microsoft.com/office/drawing/2014/main" id="{DDD6450B-6671-D1CC-D788-9E663EFB4B4B}"/>
+              </a:ext>
+            </a:extLst>
+          </p:cNvPr>
+          <p:cNvSpPr>
+            <a:spLocks noGrp="1"/>
+          </p:cNvSpPr>
+          <p:nvPr>
+            <p:ph type="title"/>
+          </p:nvPr>
+        </p:nvSpPr>
+        <p:spPr/>
+        <p:txBody>
+          <a:bodyPr/>
+          <a:lstStyle/>
+          <a:p>
+            <a:r>
+              <a:rPr lang="en-US" altLang="zh-CN" dirty="0"/>
+              <a:t>Results of Tests on Three Normal Datasets</a:t>
+            </a:r>
+          </a:p>
+        </p:txBody>
+      </p:sp>
+      <p:pic>
+        <p:nvPicPr>
+          <p:cNvPr id="6" name="图片 5" descr="日程表&#10;&#10;低可信度描述已自动生成">
+            <a:extLst>
+              <a:ext uri="{FF2B5EF4-FFF2-40B4-BE49-F238E27FC236}">
+                <a16:creationId xmlns:a16="http://schemas.microsoft.com/office/drawing/2014/main" id="{B90187FB-D983-DDD3-FCF8-159F773C3670}"/>
+              </a:ext>
+            </a:extLst>
+          </p:cNvPr>
+          <p:cNvPicPr>
+            <a:picLocks noChangeAspect="1"/>
+          </p:cNvPicPr>
+          <p:nvPr/>
+        </p:nvPicPr>
+        <p:blipFill>
+          <a:blip r:embed="rId2"/>
+          <a:stretch>
+            <a:fillRect/>
+          </a:stretch>
+        </p:blipFill>
+        <p:spPr>
+          <a:xfrm>
+            <a:off x="1171635" y="628650"/>
+            <a:ext cx="6778505" cy="3972004"/>
+          </a:xfrm>
+          <a:prstGeom prst="rect">
+            <a:avLst/>
+          </a:prstGeom>
+        </p:spPr>
+      </p:pic>
+    </p:spTree>
+    <p:extLst>
+      <p:ext uri="{BB962C8B-B14F-4D97-AF65-F5344CB8AC3E}">
+        <p14:creationId xmlns:p14="http://schemas.microsoft.com/office/powerpoint/2010/main" val="939741336"/>
+      </p:ext>
+    </p:extLst>
+  </p:cSld>
+  <p:clrMapOvr>
+    <a:masterClrMapping/>
+  </p:clrMapOvr>
+</p:sld>
+</file>
+
+<file path=ppt/slides/slide8.xml><?xml version="1.0" encoding="utf-8"?>
 <p:sld xmlns:a="http://schemas.openxmlformats.org/drawingml/2006/main" xmlns:r="http://schemas.openxmlformats.org/officeDocument/2006/relationships" xmlns:p="http://schemas.openxmlformats.org/presentationml/2006/main">
   <p:cSld>
     <p:spTree>
@@ -2809,317 +3534,7 @@
 </p:sld>
 </file>
 
-<file path=ppt/slides/slide12.xml><?xml version="1.0" encoding="utf-8"?>
-<p:sld xmlns:a="http://schemas.openxmlformats.org/drawingml/2006/main" xmlns:r="http://schemas.openxmlformats.org/officeDocument/2006/relationships" xmlns:p="http://schemas.openxmlformats.org/presentationml/2006/main">
-  <p:cSld>
-    <p:spTree>
-      <p:nvGrpSpPr>
-        <p:cNvPr id="1" name=""/>
-        <p:cNvGrpSpPr/>
-        <p:nvPr/>
-      </p:nvGrpSpPr>
-      <p:grpSpPr>
-        <a:xfrm>
-          <a:off x="0" y="0"/>
-          <a:ext cx="0" cy="0"/>
-          <a:chOff x="0" y="0"/>
-          <a:chExt cx="0" cy="0"/>
-        </a:xfrm>
-      </p:grpSpPr>
-      <p:sp>
-        <p:nvSpPr>
-          <p:cNvPr id="2" name="标题 1">
-            <a:extLst>
-              <a:ext uri="{FF2B5EF4-FFF2-40B4-BE49-F238E27FC236}">
-                <a16:creationId xmlns:a16="http://schemas.microsoft.com/office/drawing/2014/main" id="{6CF7F5E4-CEA3-80A4-C1A4-DBD83F81EE88}"/>
-              </a:ext>
-            </a:extLst>
-          </p:cNvPr>
-          <p:cNvSpPr>
-            <a:spLocks noGrp="1"/>
-          </p:cNvSpPr>
-          <p:nvPr>
-            <p:ph type="title"/>
-          </p:nvPr>
-        </p:nvSpPr>
-        <p:spPr/>
-        <p:txBody>
-          <a:bodyPr/>
-          <a:lstStyle/>
-          <a:p>
-            <a:r>
-              <a:rPr kumimoji="1" lang="en-US" altLang="zh-CN" dirty="0"/>
-              <a:t>Evaluation - How will we measure success?</a:t>
-            </a:r>
-            <a:endParaRPr kumimoji="1" lang="zh-CN" altLang="en-US" dirty="0"/>
-          </a:p>
-        </p:txBody>
-      </p:sp>
-      <p:sp>
-        <p:nvSpPr>
-          <p:cNvPr id="3" name="内容占位符 2">
-            <a:extLst>
-              <a:ext uri="{FF2B5EF4-FFF2-40B4-BE49-F238E27FC236}">
-                <a16:creationId xmlns:a16="http://schemas.microsoft.com/office/drawing/2014/main" id="{9E42ED70-9570-2CDA-46B3-5F915E3B2036}"/>
-              </a:ext>
-            </a:extLst>
-          </p:cNvPr>
-          <p:cNvSpPr>
-            <a:spLocks noGrp="1"/>
-          </p:cNvSpPr>
-          <p:nvPr>
-            <p:ph idx="1"/>
-          </p:nvPr>
-        </p:nvSpPr>
-        <p:spPr/>
-        <p:txBody>
-          <a:bodyPr/>
-          <a:lstStyle/>
-          <a:p>
-            <a:r>
-              <a:rPr kumimoji="1" lang="en-US" altLang="zh-CN" sz="2000" dirty="0"/>
-              <a:t>Midterm Success Check:</a:t>
-            </a:r>
-          </a:p>
-          <a:p>
-            <a:pPr lvl="1"/>
-            <a:r>
-              <a:rPr kumimoji="1" lang="en-US" altLang="zh-CN" sz="1800" dirty="0"/>
-              <a:t>Sprint 2 (10/21/2024 – 12/12/2024): Code profiling report</a:t>
-            </a:r>
-          </a:p>
-          <a:p>
-            <a:pPr lvl="1"/>
-            <a:r>
-              <a:rPr kumimoji="1" lang="en-US" altLang="zh-CN" sz="1800" dirty="0"/>
-              <a:t>Goal: Identify slowest functions, potential improvements</a:t>
-            </a:r>
-          </a:p>
-          <a:p>
-            <a:pPr lvl="1"/>
-            <a:r>
-              <a:rPr kumimoji="1" lang="en-US" altLang="zh-CN" sz="1800" dirty="0"/>
-              <a:t>Key Deliverable: Report on inefficiencies &amp; improvement plans</a:t>
-            </a:r>
-          </a:p>
-          <a:p>
-            <a:r>
-              <a:rPr kumimoji="1" lang="en-US" altLang="zh-CN" sz="2000" dirty="0"/>
-              <a:t>Final Success Check:</a:t>
-            </a:r>
-          </a:p>
-          <a:p>
-            <a:pPr lvl="1"/>
-            <a:r>
-              <a:rPr kumimoji="1" lang="en-US" altLang="zh-CN" sz="1800" dirty="0"/>
-              <a:t>Sprint 6 (04/08/2025 – 05/10/2025): Final improvements (20% efficiency)</a:t>
-            </a:r>
-          </a:p>
-          <a:p>
-            <a:pPr lvl="1"/>
-            <a:r>
-              <a:rPr kumimoji="1" lang="en-US" altLang="zh-CN" sz="1800" dirty="0"/>
-              <a:t>Goal: Compare results to baseline (accuracy &amp; speed)</a:t>
-            </a:r>
-          </a:p>
-          <a:p>
-            <a:pPr lvl="1"/>
-            <a:r>
-              <a:rPr kumimoji="1" lang="en-US" altLang="zh-CN" sz="1800" dirty="0"/>
-              <a:t>Key Deliverable: Final report on improvements, code, and visualization</a:t>
-            </a:r>
-          </a:p>
-        </p:txBody>
-      </p:sp>
-    </p:spTree>
-    <p:extLst>
-      <p:ext uri="{BB962C8B-B14F-4D97-AF65-F5344CB8AC3E}">
-        <p14:creationId xmlns:p14="http://schemas.microsoft.com/office/powerpoint/2010/main" val="788456935"/>
-      </p:ext>
-    </p:extLst>
-  </p:cSld>
-  <p:clrMapOvr>
-    <a:masterClrMapping/>
-  </p:clrMapOvr>
-</p:sld>
-</file>
-
-<file path=ppt/slides/slide13.xml><?xml version="1.0" encoding="utf-8"?>
-<p:sld xmlns:a="http://schemas.openxmlformats.org/drawingml/2006/main" xmlns:r="http://schemas.openxmlformats.org/officeDocument/2006/relationships" xmlns:p="http://schemas.openxmlformats.org/presentationml/2006/main">
-  <p:cSld>
-    <p:spTree>
-      <p:nvGrpSpPr>
-        <p:cNvPr id="1" name=""/>
-        <p:cNvGrpSpPr/>
-        <p:nvPr/>
-      </p:nvGrpSpPr>
-      <p:grpSpPr>
-        <a:xfrm>
-          <a:off x="0" y="0"/>
-          <a:ext cx="0" cy="0"/>
-          <a:chOff x="0" y="0"/>
-          <a:chExt cx="0" cy="0"/>
-        </a:xfrm>
-      </p:grpSpPr>
-      <p:sp>
-        <p:nvSpPr>
-          <p:cNvPr id="2" name="标题 1">
-            <a:extLst>
-              <a:ext uri="{FF2B5EF4-FFF2-40B4-BE49-F238E27FC236}">
-                <a16:creationId xmlns:a16="http://schemas.microsoft.com/office/drawing/2014/main" id="{B7AD865A-5728-6181-1430-5C060588F283}"/>
-              </a:ext>
-            </a:extLst>
-          </p:cNvPr>
-          <p:cNvSpPr>
-            <a:spLocks noGrp="1"/>
-          </p:cNvSpPr>
-          <p:nvPr>
-            <p:ph type="title"/>
-          </p:nvPr>
-        </p:nvSpPr>
-        <p:spPr/>
-        <p:txBody>
-          <a:bodyPr/>
-          <a:lstStyle/>
-          <a:p>
-            <a:r>
-              <a:rPr kumimoji="1" lang="en-US" altLang="zh-CN" dirty="0"/>
-              <a:t>References</a:t>
-            </a:r>
-            <a:endParaRPr kumimoji="1" lang="zh-CN" altLang="en-US" dirty="0"/>
-          </a:p>
-        </p:txBody>
-      </p:sp>
-      <p:sp>
-        <p:nvSpPr>
-          <p:cNvPr id="3" name="内容占位符 2">
-            <a:extLst>
-              <a:ext uri="{FF2B5EF4-FFF2-40B4-BE49-F238E27FC236}">
-                <a16:creationId xmlns:a16="http://schemas.microsoft.com/office/drawing/2014/main" id="{E8029884-5077-4F42-336D-FBB91F250D99}"/>
-              </a:ext>
-            </a:extLst>
-          </p:cNvPr>
-          <p:cNvSpPr>
-            <a:spLocks noGrp="1"/>
-          </p:cNvSpPr>
-          <p:nvPr>
-            <p:ph idx="1"/>
-          </p:nvPr>
-        </p:nvSpPr>
-        <p:spPr/>
-        <p:txBody>
-          <a:bodyPr/>
-          <a:lstStyle/>
-          <a:p>
-            <a:pPr marL="0" indent="0">
-              <a:buNone/>
-            </a:pPr>
-            <a:r>
-              <a:rPr kumimoji="1" lang="en-US" altLang="zh-CN" sz="1600" dirty="0"/>
-              <a:t>[1] - </a:t>
-            </a:r>
-            <a:r>
-              <a:rPr kumimoji="1" lang="en-US" altLang="zh-CN" sz="1600" dirty="0" err="1"/>
-              <a:t>Elemento</a:t>
-            </a:r>
-            <a:r>
-              <a:rPr kumimoji="1" lang="en-US" altLang="zh-CN" sz="1600" dirty="0"/>
-              <a:t>, O., Leslie, C., Lundin, J., &amp; </a:t>
-            </a:r>
-            <a:r>
-              <a:rPr kumimoji="1" lang="en-US" altLang="zh-CN" sz="1600" dirty="0" err="1"/>
-              <a:t>Tourassi</a:t>
-            </a:r>
-            <a:r>
-              <a:rPr kumimoji="1" lang="en-US" altLang="zh-CN" sz="1600" dirty="0"/>
-              <a:t>, G. (2021). Artificial Intelligence in cancer research, diagnosis and therapy. Nature Reviews Cancer, 21(12), 747–752. https://</a:t>
-            </a:r>
-            <a:r>
-              <a:rPr kumimoji="1" lang="en-US" altLang="zh-CN" sz="1600" dirty="0" err="1"/>
-              <a:t>doi.org</a:t>
-            </a:r>
-            <a:r>
-              <a:rPr kumimoji="1" lang="en-US" altLang="zh-CN" sz="1600" dirty="0"/>
-              <a:t>/10.1038/s41568-021-00399-1 </a:t>
-            </a:r>
-          </a:p>
-          <a:p>
-            <a:pPr marL="0" indent="0">
-              <a:buNone/>
-            </a:pPr>
-            <a:r>
-              <a:rPr kumimoji="1" lang="en-US" altLang="zh-CN" sz="1600" dirty="0"/>
-              <a:t>[2] - Curtis, S. D. (2024). Detecting and Combining Useful Sets of Predictive Variables. </a:t>
-            </a:r>
-          </a:p>
-          <a:p>
-            <a:pPr marL="0" indent="0">
-              <a:buNone/>
-            </a:pPr>
-            <a:r>
-              <a:rPr kumimoji="1" lang="en-US" altLang="zh-CN" sz="1600" dirty="0"/>
-              <a:t>[3] - NCI. (2024, May 9). Cancer statistics. https://</a:t>
-            </a:r>
-            <a:r>
-              <a:rPr kumimoji="1" lang="en-US" altLang="zh-CN" sz="1600" dirty="0" err="1"/>
-              <a:t>www.cancer.gov</a:t>
-            </a:r>
-            <a:r>
-              <a:rPr kumimoji="1" lang="en-US" altLang="zh-CN" sz="1600" dirty="0"/>
-              <a:t>/about-cancer/understanding/statistics</a:t>
-            </a:r>
-          </a:p>
-          <a:p>
-            <a:pPr marL="0" indent="0">
-              <a:buNone/>
-            </a:pPr>
-            <a:r>
-              <a:rPr kumimoji="1" lang="en-US" altLang="zh-CN" sz="1600" dirty="0"/>
-              <a:t>[4] - Campbell, D. (2014, September 21). Almost half of cancer patients diagnosed too late. The Guardian. https://</a:t>
-            </a:r>
-            <a:r>
-              <a:rPr kumimoji="1" lang="en-US" altLang="zh-CN" sz="1600" dirty="0" err="1"/>
-              <a:t>www.theguardian.com</a:t>
-            </a:r>
-            <a:r>
-              <a:rPr kumimoji="1" lang="en-US" altLang="zh-CN" sz="1600" dirty="0"/>
-              <a:t>/society/2014/</a:t>
-            </a:r>
-            <a:r>
-              <a:rPr kumimoji="1" lang="en-US" altLang="zh-CN" sz="1600" dirty="0" err="1"/>
-              <a:t>sep</a:t>
-            </a:r>
-            <a:r>
-              <a:rPr kumimoji="1" lang="en-US" altLang="zh-CN" sz="1600" dirty="0"/>
-              <a:t>/22/cancer-late-diagnosis-half-patients </a:t>
-            </a:r>
-          </a:p>
-          <a:p>
-            <a:pPr marL="0" indent="0">
-              <a:buNone/>
-            </a:pPr>
-            <a:r>
-              <a:rPr kumimoji="1" lang="en-US" altLang="zh-CN" sz="1600" dirty="0"/>
-              <a:t>[5] - American Cancer Society (ACS) and National Cancer Institute (NCI) regularly publish survival rate data based on extensive patient data and clinical research.</a:t>
-            </a:r>
-            <a:endParaRPr kumimoji="1" lang="zh-CN" altLang="en-US" sz="1600" dirty="0"/>
-          </a:p>
-        </p:txBody>
-      </p:sp>
-    </p:spTree>
-    <p:extLst>
-      <p:ext uri="{BB962C8B-B14F-4D97-AF65-F5344CB8AC3E}">
-        <p14:creationId xmlns:p14="http://schemas.microsoft.com/office/powerpoint/2010/main" val="3080563794"/>
-      </p:ext>
-    </p:extLst>
-  </p:cSld>
-  <p:clrMapOvr>
-    <a:masterClrMapping/>
-  </p:clrMapOvr>
-</p:sld>
-</file>
-
-<file path=ppt/slides/slide14.xml><?xml version="1.0" encoding="utf-8"?>
+<file path=ppt/slides/slide9.xml><?xml version="1.0" encoding="utf-8"?>
 <p:sld xmlns:a="http://schemas.openxmlformats.org/drawingml/2006/main" xmlns:r="http://schemas.openxmlformats.org/officeDocument/2006/relationships" xmlns:p="http://schemas.openxmlformats.org/presentationml/2006/main">
   <p:cSld>
     <p:spTree>
@@ -3174,1216 +3589,6 @@
     <p:extLst>
       <p:ext uri="{BB962C8B-B14F-4D97-AF65-F5344CB8AC3E}">
         <p14:creationId xmlns:p14="http://schemas.microsoft.com/office/powerpoint/2010/main" val="1309498096"/>
-      </p:ext>
-    </p:extLst>
-  </p:cSld>
-  <p:clrMapOvr>
-    <a:masterClrMapping/>
-  </p:clrMapOvr>
-</p:sld>
-</file>
-
-<file path=ppt/slides/slide2.xml><?xml version="1.0" encoding="utf-8"?>
-<p:sld xmlns:a="http://schemas.openxmlformats.org/drawingml/2006/main" xmlns:r="http://schemas.openxmlformats.org/officeDocument/2006/relationships" xmlns:p="http://schemas.openxmlformats.org/presentationml/2006/main">
-  <p:cSld>
-    <p:spTree>
-      <p:nvGrpSpPr>
-        <p:cNvPr id="1" name=""/>
-        <p:cNvGrpSpPr/>
-        <p:nvPr/>
-      </p:nvGrpSpPr>
-      <p:grpSpPr>
-        <a:xfrm>
-          <a:off x="0" y="0"/>
-          <a:ext cx="0" cy="0"/>
-          <a:chOff x="0" y="0"/>
-          <a:chExt cx="0" cy="0"/>
-        </a:xfrm>
-      </p:grpSpPr>
-      <p:sp>
-        <p:nvSpPr>
-          <p:cNvPr id="2" name="Title 1">
-            <a:extLst>
-              <a:ext uri="{FF2B5EF4-FFF2-40B4-BE49-F238E27FC236}">
-                <a16:creationId xmlns:a16="http://schemas.microsoft.com/office/drawing/2014/main" id="{736DC335-20B0-4D6C-9C21-9F0EE3801FF5}"/>
-              </a:ext>
-            </a:extLst>
-          </p:cNvPr>
-          <p:cNvSpPr>
-            <a:spLocks noGrp="1"/>
-          </p:cNvSpPr>
-          <p:nvPr>
-            <p:ph type="title"/>
-          </p:nvPr>
-        </p:nvSpPr>
-        <p:spPr/>
-        <p:txBody>
-          <a:bodyPr/>
-          <a:lstStyle/>
-          <a:p>
-            <a:r>
-              <a:rPr lang="en-US" dirty="0"/>
-              <a:t>Content</a:t>
-            </a:r>
-          </a:p>
-        </p:txBody>
-      </p:sp>
-      <p:sp>
-        <p:nvSpPr>
-          <p:cNvPr id="3" name="Content Placeholder 2">
-            <a:extLst>
-              <a:ext uri="{FF2B5EF4-FFF2-40B4-BE49-F238E27FC236}">
-                <a16:creationId xmlns:a16="http://schemas.microsoft.com/office/drawing/2014/main" id="{7597DE33-9AFD-444E-B65B-CBF97E257E25}"/>
-              </a:ext>
-            </a:extLst>
-          </p:cNvPr>
-          <p:cNvSpPr>
-            <a:spLocks noGrp="1"/>
-          </p:cNvSpPr>
-          <p:nvPr>
-            <p:ph idx="1"/>
-          </p:nvPr>
-        </p:nvSpPr>
-        <p:spPr/>
-        <p:txBody>
-          <a:bodyPr/>
-          <a:lstStyle/>
-          <a:p>
-            <a:r>
-              <a:rPr lang="en-US" dirty="0"/>
-              <a:t>Objective</a:t>
-            </a:r>
-          </a:p>
-          <a:p>
-            <a:r>
-              <a:rPr lang="en-US" dirty="0"/>
-              <a:t>Current State &amp; Limitations</a:t>
-            </a:r>
-          </a:p>
-          <a:p>
-            <a:r>
-              <a:rPr lang="en-US" dirty="0"/>
-              <a:t>Innovation</a:t>
-            </a:r>
-          </a:p>
-          <a:p>
-            <a:r>
-              <a:rPr lang="en-US" dirty="0"/>
-              <a:t>Impact</a:t>
-            </a:r>
-          </a:p>
-          <a:p>
-            <a:r>
-              <a:rPr lang="en-US" dirty="0"/>
-              <a:t>Risks</a:t>
-            </a:r>
-          </a:p>
-          <a:p>
-            <a:r>
-              <a:rPr lang="en-US" dirty="0"/>
-              <a:t>Cost</a:t>
-            </a:r>
-          </a:p>
-          <a:p>
-            <a:r>
-              <a:rPr lang="en-US" dirty="0"/>
-              <a:t>Timeline</a:t>
-            </a:r>
-          </a:p>
-          <a:p>
-            <a:r>
-              <a:rPr lang="en-US" dirty="0"/>
-              <a:t>Evaluations / Checkpoints</a:t>
-            </a:r>
-          </a:p>
-        </p:txBody>
-      </p:sp>
-    </p:spTree>
-    <p:extLst>
-      <p:ext uri="{BB962C8B-B14F-4D97-AF65-F5344CB8AC3E}">
-        <p14:creationId xmlns:p14="http://schemas.microsoft.com/office/powerpoint/2010/main" val="2197507809"/>
-      </p:ext>
-    </p:extLst>
-  </p:cSld>
-  <p:clrMapOvr>
-    <a:masterClrMapping/>
-  </p:clrMapOvr>
-</p:sld>
-</file>
-
-<file path=ppt/slides/slide3.xml><?xml version="1.0" encoding="utf-8"?>
-<p:sld xmlns:a="http://schemas.openxmlformats.org/drawingml/2006/main" xmlns:r="http://schemas.openxmlformats.org/officeDocument/2006/relationships" xmlns:p="http://schemas.openxmlformats.org/presentationml/2006/main">
-  <p:cSld>
-    <p:spTree>
-      <p:nvGrpSpPr>
-        <p:cNvPr id="1" name=""/>
-        <p:cNvGrpSpPr/>
-        <p:nvPr/>
-      </p:nvGrpSpPr>
-      <p:grpSpPr>
-        <a:xfrm>
-          <a:off x="0" y="0"/>
-          <a:ext cx="0" cy="0"/>
-          <a:chOff x="0" y="0"/>
-          <a:chExt cx="0" cy="0"/>
-        </a:xfrm>
-      </p:grpSpPr>
-      <p:sp>
-        <p:nvSpPr>
-          <p:cNvPr id="2" name="标题 1">
-            <a:extLst>
-              <a:ext uri="{FF2B5EF4-FFF2-40B4-BE49-F238E27FC236}">
-                <a16:creationId xmlns:a16="http://schemas.microsoft.com/office/drawing/2014/main" id="{DDD6450B-6671-D1CC-D788-9E663EFB4B4B}"/>
-              </a:ext>
-            </a:extLst>
-          </p:cNvPr>
-          <p:cNvSpPr>
-            <a:spLocks noGrp="1"/>
-          </p:cNvSpPr>
-          <p:nvPr>
-            <p:ph type="title"/>
-          </p:nvPr>
-        </p:nvSpPr>
-        <p:spPr/>
-        <p:txBody>
-          <a:bodyPr/>
-          <a:lstStyle/>
-          <a:p>
-            <a:r>
-              <a:rPr lang="en-US" altLang="zh-CN" dirty="0"/>
-              <a:t>Objective - What are we trying to do?</a:t>
-            </a:r>
-            <a:endParaRPr kumimoji="1" lang="zh-CN" altLang="en-US" dirty="0"/>
-          </a:p>
-        </p:txBody>
-      </p:sp>
-      <p:sp>
-        <p:nvSpPr>
-          <p:cNvPr id="3" name="内容占位符 2">
-            <a:extLst>
-              <a:ext uri="{FF2B5EF4-FFF2-40B4-BE49-F238E27FC236}">
-                <a16:creationId xmlns:a16="http://schemas.microsoft.com/office/drawing/2014/main" id="{FBE8E582-860A-5DC1-C929-01D0F8450564}"/>
-              </a:ext>
-            </a:extLst>
-          </p:cNvPr>
-          <p:cNvSpPr>
-            <a:spLocks noGrp="1"/>
-          </p:cNvSpPr>
-          <p:nvPr>
-            <p:ph idx="1"/>
-          </p:nvPr>
-        </p:nvSpPr>
-        <p:spPr/>
-        <p:txBody>
-          <a:bodyPr/>
-          <a:lstStyle/>
-          <a:p>
-            <a:pPr>
-              <a:lnSpc>
-                <a:spcPct val="150000"/>
-              </a:lnSpc>
-            </a:pPr>
-            <a:r>
-              <a:rPr kumimoji="1" lang="en-US" altLang="zh-CN" sz="2000" dirty="0"/>
-              <a:t>Goal: Early-stage cancer detection</a:t>
-            </a:r>
-          </a:p>
-          <a:p>
-            <a:pPr>
-              <a:lnSpc>
-                <a:spcPct val="150000"/>
-              </a:lnSpc>
-            </a:pPr>
-            <a:r>
-              <a:rPr kumimoji="1" lang="en-US" altLang="zh-CN" sz="2000" dirty="0"/>
-              <a:t>Challenge: Identifying key biomarkers in complex blood samples</a:t>
-            </a:r>
-          </a:p>
-          <a:p>
-            <a:pPr>
-              <a:lnSpc>
-                <a:spcPct val="150000"/>
-              </a:lnSpc>
-            </a:pPr>
-            <a:r>
-              <a:rPr kumimoji="1" lang="en-US" altLang="zh-CN" sz="2000" dirty="0"/>
-              <a:t>Current Issue: Machine learning struggles with variable relevance</a:t>
-            </a:r>
-          </a:p>
-          <a:p>
-            <a:pPr>
-              <a:lnSpc>
-                <a:spcPct val="150000"/>
-              </a:lnSpc>
-            </a:pPr>
-            <a:r>
-              <a:rPr kumimoji="1" lang="en-US" altLang="zh-CN" sz="2000" dirty="0"/>
-              <a:t>Solution: Develop ML tool to detect most relevant biomarkers</a:t>
-            </a:r>
-          </a:p>
-        </p:txBody>
-      </p:sp>
-    </p:spTree>
-    <p:extLst>
-      <p:ext uri="{BB962C8B-B14F-4D97-AF65-F5344CB8AC3E}">
-        <p14:creationId xmlns:p14="http://schemas.microsoft.com/office/powerpoint/2010/main" val="939741336"/>
-      </p:ext>
-    </p:extLst>
-  </p:cSld>
-  <p:clrMapOvr>
-    <a:masterClrMapping/>
-  </p:clrMapOvr>
-</p:sld>
-</file>
-
-<file path=ppt/slides/slide4.xml><?xml version="1.0" encoding="utf-8"?>
-<p:sld xmlns:a="http://schemas.openxmlformats.org/drawingml/2006/main" xmlns:r="http://schemas.openxmlformats.org/officeDocument/2006/relationships" xmlns:p="http://schemas.openxmlformats.org/presentationml/2006/main">
-  <p:cSld>
-    <p:spTree>
-      <p:nvGrpSpPr>
-        <p:cNvPr id="1" name=""/>
-        <p:cNvGrpSpPr/>
-        <p:nvPr/>
-      </p:nvGrpSpPr>
-      <p:grpSpPr>
-        <a:xfrm>
-          <a:off x="0" y="0"/>
-          <a:ext cx="0" cy="0"/>
-          <a:chOff x="0" y="0"/>
-          <a:chExt cx="0" cy="0"/>
-        </a:xfrm>
-      </p:grpSpPr>
-      <p:sp>
-        <p:nvSpPr>
-          <p:cNvPr id="2" name="标题 1">
-            <a:extLst>
-              <a:ext uri="{FF2B5EF4-FFF2-40B4-BE49-F238E27FC236}">
-                <a16:creationId xmlns:a16="http://schemas.microsoft.com/office/drawing/2014/main" id="{4E2D0813-F2C3-5C52-C372-E8418E5A8A42}"/>
-              </a:ext>
-            </a:extLst>
-          </p:cNvPr>
-          <p:cNvSpPr>
-            <a:spLocks noGrp="1"/>
-          </p:cNvSpPr>
-          <p:nvPr>
-            <p:ph type="title"/>
-          </p:nvPr>
-        </p:nvSpPr>
-        <p:spPr/>
-        <p:txBody>
-          <a:bodyPr/>
-          <a:lstStyle/>
-          <a:p>
-            <a:r>
-              <a:rPr lang="en-US" altLang="zh-CN" dirty="0"/>
-              <a:t>Current State &amp; Limitations</a:t>
-            </a:r>
-            <a:endParaRPr kumimoji="1" lang="zh-CN" altLang="en-US" dirty="0"/>
-          </a:p>
-        </p:txBody>
-      </p:sp>
-      <p:sp>
-        <p:nvSpPr>
-          <p:cNvPr id="3" name="内容占位符 2">
-            <a:extLst>
-              <a:ext uri="{FF2B5EF4-FFF2-40B4-BE49-F238E27FC236}">
-                <a16:creationId xmlns:a16="http://schemas.microsoft.com/office/drawing/2014/main" id="{BDC20E12-9CF2-942C-7520-1ED731F96332}"/>
-              </a:ext>
-            </a:extLst>
-          </p:cNvPr>
-          <p:cNvSpPr>
-            <a:spLocks noGrp="1"/>
-          </p:cNvSpPr>
-          <p:nvPr>
-            <p:ph idx="1"/>
-          </p:nvPr>
-        </p:nvSpPr>
-        <p:spPr/>
-        <p:txBody>
-          <a:bodyPr/>
-          <a:lstStyle/>
-          <a:p>
-            <a:pPr marL="0" indent="0">
-              <a:lnSpc>
-                <a:spcPct val="150000"/>
-              </a:lnSpc>
-              <a:buNone/>
-            </a:pPr>
-            <a:r>
-              <a:rPr kumimoji="1" lang="en-US" altLang="zh-CN" sz="2000" dirty="0"/>
-              <a:t>Existing ML models: SVM, Random Forest, etc.</a:t>
-            </a:r>
-          </a:p>
-          <a:p>
-            <a:pPr marL="0" indent="0">
-              <a:lnSpc>
-                <a:spcPct val="150000"/>
-              </a:lnSpc>
-              <a:buNone/>
-            </a:pPr>
-            <a:r>
-              <a:rPr kumimoji="1" lang="en-US" altLang="zh-CN" sz="2000" dirty="0"/>
-              <a:t>• Challenges:</a:t>
-            </a:r>
-          </a:p>
-          <a:p>
-            <a:pPr marL="400050" lvl="1" indent="0">
-              <a:lnSpc>
-                <a:spcPct val="150000"/>
-              </a:lnSpc>
-              <a:buNone/>
-            </a:pPr>
-            <a:r>
-              <a:rPr kumimoji="1" lang="en-US" altLang="zh-CN" sz="1600" dirty="0"/>
-              <a:t>• </a:t>
-            </a:r>
-            <a:r>
-              <a:rPr kumimoji="1" lang="en-US" altLang="zh-CN" sz="1800" dirty="0"/>
-              <a:t>Limited labeled data → data bias (overfitting/underfitting)</a:t>
-            </a:r>
-          </a:p>
-          <a:p>
-            <a:pPr marL="400050" lvl="1" indent="0">
-              <a:lnSpc>
-                <a:spcPct val="150000"/>
-              </a:lnSpc>
-              <a:buNone/>
-            </a:pPr>
-            <a:r>
-              <a:rPr kumimoji="1" lang="en-US" altLang="zh-CN" sz="1800" dirty="0"/>
-              <a:t>• Inflexibility across different datasets</a:t>
-            </a:r>
-          </a:p>
-          <a:p>
-            <a:pPr marL="400050" lvl="1" indent="0">
-              <a:lnSpc>
-                <a:spcPct val="150000"/>
-              </a:lnSpc>
-              <a:buNone/>
-            </a:pPr>
-            <a:r>
-              <a:rPr kumimoji="1" lang="en-US" altLang="zh-CN" sz="1800" dirty="0"/>
-              <a:t>• No universal biomarkers identified</a:t>
-            </a:r>
-          </a:p>
-          <a:p>
-            <a:pPr marL="400050" lvl="1" indent="0">
-              <a:lnSpc>
-                <a:spcPct val="150000"/>
-              </a:lnSpc>
-              <a:buNone/>
-            </a:pPr>
-            <a:r>
-              <a:rPr kumimoji="1" lang="en-US" altLang="zh-CN" sz="1800" dirty="0"/>
-              <a:t>• High financial costs</a:t>
-            </a:r>
-          </a:p>
-        </p:txBody>
-      </p:sp>
-    </p:spTree>
-    <p:extLst>
-      <p:ext uri="{BB962C8B-B14F-4D97-AF65-F5344CB8AC3E}">
-        <p14:creationId xmlns:p14="http://schemas.microsoft.com/office/powerpoint/2010/main" val="831134928"/>
-      </p:ext>
-    </p:extLst>
-  </p:cSld>
-  <p:clrMapOvr>
-    <a:masterClrMapping/>
-  </p:clrMapOvr>
-</p:sld>
-</file>
-
-<file path=ppt/slides/slide5.xml><?xml version="1.0" encoding="utf-8"?>
-<p:sld xmlns:a="http://schemas.openxmlformats.org/drawingml/2006/main" xmlns:r="http://schemas.openxmlformats.org/officeDocument/2006/relationships" xmlns:p="http://schemas.openxmlformats.org/presentationml/2006/main">
-  <p:cSld>
-    <p:spTree>
-      <p:nvGrpSpPr>
-        <p:cNvPr id="1" name=""/>
-        <p:cNvGrpSpPr/>
-        <p:nvPr/>
-      </p:nvGrpSpPr>
-      <p:grpSpPr>
-        <a:xfrm>
-          <a:off x="0" y="0"/>
-          <a:ext cx="0" cy="0"/>
-          <a:chOff x="0" y="0"/>
-          <a:chExt cx="0" cy="0"/>
-        </a:xfrm>
-      </p:grpSpPr>
-      <p:sp>
-        <p:nvSpPr>
-          <p:cNvPr id="2" name="标题 1">
-            <a:extLst>
-              <a:ext uri="{FF2B5EF4-FFF2-40B4-BE49-F238E27FC236}">
-                <a16:creationId xmlns:a16="http://schemas.microsoft.com/office/drawing/2014/main" id="{F3329123-B90E-1226-8C2E-E20AA8043EC6}"/>
-              </a:ext>
-            </a:extLst>
-          </p:cNvPr>
-          <p:cNvSpPr>
-            <a:spLocks noGrp="1"/>
-          </p:cNvSpPr>
-          <p:nvPr>
-            <p:ph type="title"/>
-          </p:nvPr>
-        </p:nvSpPr>
-        <p:spPr/>
-        <p:txBody>
-          <a:bodyPr/>
-          <a:lstStyle/>
-          <a:p>
-            <a:r>
-              <a:rPr kumimoji="1" lang="en-US" altLang="zh-CN" dirty="0"/>
-              <a:t>Innovation - What’s new, and why will it succeed?</a:t>
-            </a:r>
-            <a:endParaRPr kumimoji="1" lang="zh-CN" altLang="en-US" dirty="0"/>
-          </a:p>
-        </p:txBody>
-      </p:sp>
-      <p:sp>
-        <p:nvSpPr>
-          <p:cNvPr id="3" name="内容占位符 2">
-            <a:extLst>
-              <a:ext uri="{FF2B5EF4-FFF2-40B4-BE49-F238E27FC236}">
-                <a16:creationId xmlns:a16="http://schemas.microsoft.com/office/drawing/2014/main" id="{E01A8020-1D88-01F0-962E-276D97D8CB8A}"/>
-              </a:ext>
-            </a:extLst>
-          </p:cNvPr>
-          <p:cNvSpPr>
-            <a:spLocks noGrp="1"/>
-          </p:cNvSpPr>
-          <p:nvPr>
-            <p:ph idx="1"/>
-          </p:nvPr>
-        </p:nvSpPr>
-        <p:spPr/>
-        <p:txBody>
-          <a:bodyPr/>
-          <a:lstStyle/>
-          <a:p>
-            <a:r>
-              <a:rPr kumimoji="1" lang="en-US" altLang="zh-CN" sz="2000" dirty="0"/>
-              <a:t>MIGHT </a:t>
-            </a:r>
-            <a:r>
-              <a:rPr kumimoji="1" lang="en-US" altLang="zh-CN" dirty="0"/>
-              <a:t>(Multidimensional-Informed Generalized Hypothesis Technology)</a:t>
-            </a:r>
-          </a:p>
-          <a:p>
-            <a:r>
-              <a:rPr kumimoji="1" lang="en-US" altLang="zh-CN" sz="2000" dirty="0"/>
-              <a:t>Core Technique: Decision trees &amp; forests</a:t>
-            </a:r>
-          </a:p>
-          <a:p>
-            <a:r>
-              <a:rPr kumimoji="1" lang="en-US" altLang="zh-CN" sz="2000" dirty="0"/>
-              <a:t>Strengths:</a:t>
-            </a:r>
-          </a:p>
-          <a:p>
-            <a:pPr lvl="1"/>
-            <a:r>
-              <a:rPr kumimoji="1" lang="en-US" altLang="zh-CN" sz="1600" dirty="0"/>
-              <a:t>Universal applicability across datasets, variables, and outcomes</a:t>
-            </a:r>
-          </a:p>
-          <a:p>
-            <a:pPr lvl="1"/>
-            <a:r>
-              <a:rPr kumimoji="1" lang="en-US" altLang="zh-CN" sz="1600" dirty="0"/>
-              <a:t>Optimizes dataset for specific biomedical outcomes (e.g., cancer types)</a:t>
-            </a:r>
-          </a:p>
-          <a:p>
-            <a:pPr lvl="1"/>
-            <a:r>
-              <a:rPr kumimoji="1" lang="en-US" altLang="zh-CN" sz="1600" dirty="0"/>
-              <a:t>Flexible for early-stage cancer detection across diverse types</a:t>
-            </a:r>
-          </a:p>
-          <a:p>
-            <a:r>
-              <a:rPr kumimoji="1" lang="en-US" altLang="zh-CN" sz="2000" dirty="0"/>
-              <a:t>Why it will succeed:</a:t>
-            </a:r>
-          </a:p>
-          <a:p>
-            <a:pPr lvl="1"/>
-            <a:r>
-              <a:rPr kumimoji="1" lang="en-US" altLang="zh-CN" sz="1600" dirty="0"/>
-              <a:t>High adaptability → broader potential applications</a:t>
-            </a:r>
-          </a:p>
-          <a:p>
-            <a:pPr lvl="1"/>
-            <a:r>
-              <a:rPr kumimoji="1" lang="en-US" altLang="zh-CN" sz="1600" dirty="0"/>
-              <a:t>Efficient parameter selection → improved accuracy in early detection</a:t>
-            </a:r>
-          </a:p>
-          <a:p>
-            <a:endParaRPr kumimoji="1" lang="zh-CN" altLang="en-US" dirty="0"/>
-          </a:p>
-        </p:txBody>
-      </p:sp>
-    </p:spTree>
-    <p:extLst>
-      <p:ext uri="{BB962C8B-B14F-4D97-AF65-F5344CB8AC3E}">
-        <p14:creationId xmlns:p14="http://schemas.microsoft.com/office/powerpoint/2010/main" val="567968500"/>
-      </p:ext>
-    </p:extLst>
-  </p:cSld>
-  <p:clrMapOvr>
-    <a:masterClrMapping/>
-  </p:clrMapOvr>
-</p:sld>
-</file>
-
-<file path=ppt/slides/slide6.xml><?xml version="1.0" encoding="utf-8"?>
-<p:sld xmlns:a="http://schemas.openxmlformats.org/drawingml/2006/main" xmlns:r="http://schemas.openxmlformats.org/officeDocument/2006/relationships" xmlns:p="http://schemas.openxmlformats.org/presentationml/2006/main">
-  <p:cSld>
-    <p:spTree>
-      <p:nvGrpSpPr>
-        <p:cNvPr id="1" name=""/>
-        <p:cNvGrpSpPr/>
-        <p:nvPr/>
-      </p:nvGrpSpPr>
-      <p:grpSpPr>
-        <a:xfrm>
-          <a:off x="0" y="0"/>
-          <a:ext cx="0" cy="0"/>
-          <a:chOff x="0" y="0"/>
-          <a:chExt cx="0" cy="0"/>
-        </a:xfrm>
-      </p:grpSpPr>
-      <p:sp>
-        <p:nvSpPr>
-          <p:cNvPr id="2" name="标题 1">
-            <a:extLst>
-              <a:ext uri="{FF2B5EF4-FFF2-40B4-BE49-F238E27FC236}">
-                <a16:creationId xmlns:a16="http://schemas.microsoft.com/office/drawing/2014/main" id="{D978CC0A-CD6F-662E-B84D-E0E4A12C8449}"/>
-              </a:ext>
-            </a:extLst>
-          </p:cNvPr>
-          <p:cNvSpPr>
-            <a:spLocks noGrp="1"/>
-          </p:cNvSpPr>
-          <p:nvPr>
-            <p:ph type="title"/>
-          </p:nvPr>
-        </p:nvSpPr>
-        <p:spPr/>
-        <p:txBody>
-          <a:bodyPr/>
-          <a:lstStyle/>
-          <a:p>
-            <a:r>
-              <a:rPr kumimoji="1" lang="en-US" altLang="zh-CN" dirty="0"/>
-              <a:t>Innovation - What’s new, and why will it succeed?</a:t>
-            </a:r>
-            <a:endParaRPr kumimoji="1" lang="zh-CN" altLang="en-US" dirty="0"/>
-          </a:p>
-        </p:txBody>
-      </p:sp>
-      <p:sp>
-        <p:nvSpPr>
-          <p:cNvPr id="3" name="内容占位符 2">
-            <a:extLst>
-              <a:ext uri="{FF2B5EF4-FFF2-40B4-BE49-F238E27FC236}">
-                <a16:creationId xmlns:a16="http://schemas.microsoft.com/office/drawing/2014/main" id="{0DC2A2DB-37D6-F1DD-B281-4B2E420487DC}"/>
-              </a:ext>
-            </a:extLst>
-          </p:cNvPr>
-          <p:cNvSpPr>
-            <a:spLocks noGrp="1"/>
-          </p:cNvSpPr>
-          <p:nvPr>
-            <p:ph idx="1"/>
-          </p:nvPr>
-        </p:nvSpPr>
-        <p:spPr>
-          <a:xfrm>
-            <a:off x="358777" y="800100"/>
-            <a:ext cx="3578482" cy="3829050"/>
-          </a:xfrm>
-        </p:spPr>
-        <p:txBody>
-          <a:bodyPr/>
-          <a:lstStyle/>
-          <a:p>
-            <a:pPr>
-              <a:lnSpc>
-                <a:spcPct val="150000"/>
-              </a:lnSpc>
-            </a:pPr>
-            <a:r>
-              <a:rPr kumimoji="1" lang="en-US" altLang="zh-CN" sz="2000" dirty="0"/>
-              <a:t>Improve the MIGHT model</a:t>
-            </a:r>
-          </a:p>
-          <a:p>
-            <a:pPr lvl="1">
-              <a:lnSpc>
-                <a:spcPct val="150000"/>
-              </a:lnSpc>
-            </a:pPr>
-            <a:r>
-              <a:rPr kumimoji="1" lang="en-US" altLang="zh-CN" sz="1800" dirty="0"/>
-              <a:t>Efficiency</a:t>
-            </a:r>
-          </a:p>
-          <a:p>
-            <a:pPr lvl="1">
-              <a:lnSpc>
-                <a:spcPct val="150000"/>
-              </a:lnSpc>
-            </a:pPr>
-            <a:r>
-              <a:rPr kumimoji="1" lang="en-US" altLang="zh-CN" sz="1800" dirty="0"/>
-              <a:t>Accuracy</a:t>
-            </a:r>
-          </a:p>
-        </p:txBody>
-      </p:sp>
-      <p:pic>
-        <p:nvPicPr>
-          <p:cNvPr id="1026" name="Picture 2" descr="图示&#10;&#10;已自动生成说明">
-            <a:extLst>
-              <a:ext uri="{FF2B5EF4-FFF2-40B4-BE49-F238E27FC236}">
-                <a16:creationId xmlns:a16="http://schemas.microsoft.com/office/drawing/2014/main" id="{90EFCD9F-96EE-DEDB-ABB1-753E32567589}"/>
-              </a:ext>
-            </a:extLst>
-          </p:cNvPr>
-          <p:cNvPicPr>
-            <a:picLocks noChangeAspect="1" noChangeArrowheads="1"/>
-          </p:cNvPicPr>
-          <p:nvPr/>
-        </p:nvPicPr>
-        <p:blipFill>
-          <a:blip r:embed="rId2">
-            <a:extLst>
-              <a:ext uri="{28A0092B-C50C-407E-A947-70E740481C1C}">
-                <a14:useLocalDpi xmlns:a14="http://schemas.microsoft.com/office/drawing/2010/main" val="0"/>
-              </a:ext>
-            </a:extLst>
-          </a:blip>
-          <a:srcRect/>
-          <a:stretch>
-            <a:fillRect/>
-          </a:stretch>
-        </p:blipFill>
-        <p:spPr bwMode="auto">
-          <a:xfrm>
-            <a:off x="3937258" y="957647"/>
-            <a:ext cx="4825743" cy="3385753"/>
-          </a:xfrm>
-          <a:prstGeom prst="rect">
-            <a:avLst/>
-          </a:prstGeom>
-          <a:noFill/>
-          <a:extLst>
-            <a:ext uri="{909E8E84-426E-40DD-AFC4-6F175D3DCCD1}">
-              <a14:hiddenFill xmlns:a14="http://schemas.microsoft.com/office/drawing/2010/main">
-                <a:solidFill>
-                  <a:srgbClr val="FFFFFF"/>
-                </a:solidFill>
-              </a14:hiddenFill>
-            </a:ext>
-          </a:extLst>
-        </p:spPr>
-      </p:pic>
-    </p:spTree>
-    <p:extLst>
-      <p:ext uri="{BB962C8B-B14F-4D97-AF65-F5344CB8AC3E}">
-        <p14:creationId xmlns:p14="http://schemas.microsoft.com/office/powerpoint/2010/main" val="532666048"/>
-      </p:ext>
-    </p:extLst>
-  </p:cSld>
-  <p:clrMapOvr>
-    <a:masterClrMapping/>
-  </p:clrMapOvr>
-</p:sld>
-</file>
-
-<file path=ppt/slides/slide7.xml><?xml version="1.0" encoding="utf-8"?>
-<p:sld xmlns:a="http://schemas.openxmlformats.org/drawingml/2006/main" xmlns:r="http://schemas.openxmlformats.org/officeDocument/2006/relationships" xmlns:p="http://schemas.openxmlformats.org/presentationml/2006/main">
-  <p:cSld>
-    <p:spTree>
-      <p:nvGrpSpPr>
-        <p:cNvPr id="1" name=""/>
-        <p:cNvGrpSpPr/>
-        <p:nvPr/>
-      </p:nvGrpSpPr>
-      <p:grpSpPr>
-        <a:xfrm>
-          <a:off x="0" y="0"/>
-          <a:ext cx="0" cy="0"/>
-          <a:chOff x="0" y="0"/>
-          <a:chExt cx="0" cy="0"/>
-        </a:xfrm>
-      </p:grpSpPr>
-      <p:sp>
-        <p:nvSpPr>
-          <p:cNvPr id="2" name="标题 1">
-            <a:extLst>
-              <a:ext uri="{FF2B5EF4-FFF2-40B4-BE49-F238E27FC236}">
-                <a16:creationId xmlns:a16="http://schemas.microsoft.com/office/drawing/2014/main" id="{0436F28E-FA51-04EB-AC6D-B6BA65841A1B}"/>
-              </a:ext>
-            </a:extLst>
-          </p:cNvPr>
-          <p:cNvSpPr>
-            <a:spLocks noGrp="1"/>
-          </p:cNvSpPr>
-          <p:nvPr>
-            <p:ph type="title"/>
-          </p:nvPr>
-        </p:nvSpPr>
-        <p:spPr/>
-        <p:txBody>
-          <a:bodyPr/>
-          <a:lstStyle/>
-          <a:p>
-            <a:r>
-              <a:rPr kumimoji="1" lang="en-US" altLang="zh-CN" dirty="0"/>
-              <a:t>Innovation - What’s new, and why will it succeed?</a:t>
-            </a:r>
-            <a:endParaRPr kumimoji="1" lang="zh-CN" altLang="en-US" dirty="0"/>
-          </a:p>
-        </p:txBody>
-      </p:sp>
-      <p:sp>
-        <p:nvSpPr>
-          <p:cNvPr id="3" name="内容占位符 2">
-            <a:extLst>
-              <a:ext uri="{FF2B5EF4-FFF2-40B4-BE49-F238E27FC236}">
-                <a16:creationId xmlns:a16="http://schemas.microsoft.com/office/drawing/2014/main" id="{AEABC2A3-F96B-29A9-F12B-2F635B90E9B8}"/>
-              </a:ext>
-            </a:extLst>
-          </p:cNvPr>
-          <p:cNvSpPr>
-            <a:spLocks noGrp="1"/>
-          </p:cNvSpPr>
-          <p:nvPr>
-            <p:ph idx="1"/>
-          </p:nvPr>
-        </p:nvSpPr>
-        <p:spPr/>
-        <p:txBody>
-          <a:bodyPr/>
-          <a:lstStyle/>
-          <a:p>
-            <a:r>
-              <a:rPr kumimoji="1" lang="en-US" altLang="zh-CN" sz="2000" dirty="0"/>
-              <a:t>Pruning &amp; Parallelization</a:t>
-            </a:r>
-          </a:p>
-          <a:p>
-            <a:pPr lvl="1"/>
-            <a:r>
-              <a:rPr kumimoji="1" lang="en-US" altLang="zh-CN" sz="1600" dirty="0"/>
-              <a:t>Use pruning to remove unnecessary branches</a:t>
-            </a:r>
-          </a:p>
-          <a:p>
-            <a:pPr lvl="1"/>
-            <a:r>
-              <a:rPr kumimoji="1" lang="en-US" altLang="zh-CN" sz="1600" dirty="0"/>
-              <a:t>Apply parallel processing</a:t>
-            </a:r>
-          </a:p>
-          <a:p>
-            <a:r>
-              <a:rPr kumimoji="1" lang="en-US" altLang="zh-CN" sz="2000" dirty="0"/>
-              <a:t>Hyperparameter Tuning</a:t>
-            </a:r>
-          </a:p>
-          <a:p>
-            <a:pPr lvl="1"/>
-            <a:r>
-              <a:rPr kumimoji="1" lang="en-US" altLang="zh-CN" sz="1600" b="1" dirty="0"/>
-              <a:t>Limit tree depth</a:t>
-            </a:r>
-            <a:r>
-              <a:rPr kumimoji="1" lang="en-US" altLang="zh-CN" sz="1600" dirty="0"/>
-              <a:t> to balance between overfitting and underfitting.</a:t>
-            </a:r>
-          </a:p>
-          <a:p>
-            <a:pPr lvl="1"/>
-            <a:r>
-              <a:rPr kumimoji="1" lang="en-US" altLang="zh-CN" sz="1600" dirty="0"/>
-              <a:t>Increase minimum samples per leaf to avoid over-segmentation.</a:t>
-            </a:r>
-          </a:p>
-          <a:p>
-            <a:r>
-              <a:rPr kumimoji="1" lang="en-US" altLang="zh-CN" sz="2000" dirty="0"/>
-              <a:t>Enhanced Forest Algorithm</a:t>
-            </a:r>
-          </a:p>
-          <a:p>
-            <a:pPr lvl="1"/>
-            <a:r>
-              <a:rPr kumimoji="1" lang="en-US" altLang="zh-CN" sz="1600" dirty="0"/>
-              <a:t>Use Boosting techniques (e.g., </a:t>
-            </a:r>
-            <a:r>
-              <a:rPr kumimoji="1" lang="en-US" altLang="zh-CN" sz="1600" dirty="0" err="1"/>
-              <a:t>XGBoost</a:t>
-            </a:r>
-            <a:r>
-              <a:rPr kumimoji="1" lang="en-US" altLang="zh-CN" sz="1600" dirty="0"/>
-              <a:t>, </a:t>
-            </a:r>
-            <a:r>
-              <a:rPr kumimoji="1" lang="en-US" altLang="zh-CN" sz="1600" dirty="0" err="1"/>
-              <a:t>LightGBM</a:t>
-            </a:r>
-            <a:r>
-              <a:rPr kumimoji="1" lang="en-US" altLang="zh-CN" sz="1600" dirty="0"/>
-              <a:t>) to reduce errors and improve accuracy.</a:t>
-            </a:r>
-          </a:p>
-          <a:p>
-            <a:pPr lvl="1"/>
-            <a:r>
-              <a:rPr kumimoji="1" lang="en-US" altLang="zh-CN" sz="1600" dirty="0"/>
-              <a:t>Experiment with reducing the number of trees to increase training speed.</a:t>
-            </a:r>
-          </a:p>
-        </p:txBody>
-      </p:sp>
-    </p:spTree>
-    <p:extLst>
-      <p:ext uri="{BB962C8B-B14F-4D97-AF65-F5344CB8AC3E}">
-        <p14:creationId xmlns:p14="http://schemas.microsoft.com/office/powerpoint/2010/main" val="3122712673"/>
-      </p:ext>
-    </p:extLst>
-  </p:cSld>
-  <p:clrMapOvr>
-    <a:masterClrMapping/>
-  </p:clrMapOvr>
-</p:sld>
-</file>
-
-<file path=ppt/slides/slide8.xml><?xml version="1.0" encoding="utf-8"?>
-<p:sld xmlns:a="http://schemas.openxmlformats.org/drawingml/2006/main" xmlns:r="http://schemas.openxmlformats.org/officeDocument/2006/relationships" xmlns:p="http://schemas.openxmlformats.org/presentationml/2006/main">
-  <p:cSld>
-    <p:spTree>
-      <p:nvGrpSpPr>
-        <p:cNvPr id="1" name=""/>
-        <p:cNvGrpSpPr/>
-        <p:nvPr/>
-      </p:nvGrpSpPr>
-      <p:grpSpPr>
-        <a:xfrm>
-          <a:off x="0" y="0"/>
-          <a:ext cx="0" cy="0"/>
-          <a:chOff x="0" y="0"/>
-          <a:chExt cx="0" cy="0"/>
-        </a:xfrm>
-      </p:grpSpPr>
-      <p:sp>
-        <p:nvSpPr>
-          <p:cNvPr id="2" name="标题 1">
-            <a:extLst>
-              <a:ext uri="{FF2B5EF4-FFF2-40B4-BE49-F238E27FC236}">
-                <a16:creationId xmlns:a16="http://schemas.microsoft.com/office/drawing/2014/main" id="{36D8EC33-8B66-0BE7-5D02-592B53B92C0D}"/>
-              </a:ext>
-            </a:extLst>
-          </p:cNvPr>
-          <p:cNvSpPr>
-            <a:spLocks noGrp="1"/>
-          </p:cNvSpPr>
-          <p:nvPr>
-            <p:ph type="title"/>
-          </p:nvPr>
-        </p:nvSpPr>
-        <p:spPr/>
-        <p:txBody>
-          <a:bodyPr/>
-          <a:lstStyle/>
-          <a:p>
-            <a:r>
-              <a:rPr kumimoji="1" lang="en-US" altLang="zh-CN" dirty="0"/>
-              <a:t>Impact - Who benefits, and what’s the potential impact?</a:t>
-            </a:r>
-            <a:endParaRPr kumimoji="1" lang="zh-CN" altLang="en-US" dirty="0"/>
-          </a:p>
-        </p:txBody>
-      </p:sp>
-      <p:sp>
-        <p:nvSpPr>
-          <p:cNvPr id="3" name="内容占位符 2">
-            <a:extLst>
-              <a:ext uri="{FF2B5EF4-FFF2-40B4-BE49-F238E27FC236}">
-                <a16:creationId xmlns:a16="http://schemas.microsoft.com/office/drawing/2014/main" id="{8A9DBA20-B63C-6E02-341B-14DC412FA547}"/>
-              </a:ext>
-            </a:extLst>
-          </p:cNvPr>
-          <p:cNvSpPr>
-            <a:spLocks noGrp="1"/>
-          </p:cNvSpPr>
-          <p:nvPr>
-            <p:ph idx="1"/>
-          </p:nvPr>
-        </p:nvSpPr>
-        <p:spPr/>
-        <p:txBody>
-          <a:bodyPr/>
-          <a:lstStyle/>
-          <a:p>
-            <a:r>
-              <a:rPr kumimoji="1" lang="en-US" altLang="zh-CN" sz="2000" dirty="0"/>
-              <a:t>Target Audience:</a:t>
-            </a:r>
-          </a:p>
-          <a:p>
-            <a:pPr lvl="1"/>
-            <a:r>
-              <a:rPr kumimoji="1" lang="en-US" altLang="zh-CN" sz="1600" dirty="0"/>
-              <a:t>Physicians: Access to a robust tool for early cancer risk assessment</a:t>
-            </a:r>
-          </a:p>
-          <a:p>
-            <a:pPr lvl="1"/>
-            <a:r>
-              <a:rPr kumimoji="1" lang="en-US" altLang="zh-CN" sz="1600" dirty="0"/>
-              <a:t>Patients: Increased survival rates through early detection</a:t>
-            </a:r>
-          </a:p>
-          <a:p>
-            <a:r>
-              <a:rPr kumimoji="1" lang="en-US" altLang="zh-CN" sz="2000" dirty="0"/>
-              <a:t>Example</a:t>
-            </a:r>
-            <a:r>
-              <a:rPr kumimoji="1" lang="zh-CN" altLang="en-US" sz="2000" dirty="0"/>
-              <a:t> </a:t>
-            </a:r>
-            <a:r>
-              <a:rPr kumimoji="1" lang="en-US" altLang="zh-CN" sz="2000" dirty="0"/>
-              <a:t>-</a:t>
-            </a:r>
-            <a:r>
-              <a:rPr kumimoji="1" lang="zh-CN" altLang="en-US" sz="2000" dirty="0"/>
-              <a:t> </a:t>
-            </a:r>
-            <a:r>
-              <a:rPr kumimoji="1" lang="en-US" altLang="zh-CN" sz="2000" dirty="0"/>
-              <a:t>Breast cancer 5-year survival rates</a:t>
-            </a:r>
-            <a:r>
-              <a:rPr kumimoji="1" lang="zh-CN" altLang="en-US" sz="2000" dirty="0"/>
-              <a:t> </a:t>
-            </a:r>
-            <a:r>
-              <a:rPr kumimoji="1" lang="en-US" altLang="zh-CN" sz="2000" dirty="0"/>
-              <a:t>(U.S., 2012-2018):</a:t>
-            </a:r>
-          </a:p>
-          <a:p>
-            <a:pPr lvl="1"/>
-            <a:r>
-              <a:rPr kumimoji="1" lang="en-US" altLang="zh-CN" sz="1600" dirty="0"/>
-              <a:t>Stage 0: Nearly 100%</a:t>
-            </a:r>
-          </a:p>
-          <a:p>
-            <a:pPr lvl="1"/>
-            <a:r>
-              <a:rPr kumimoji="1" lang="en-US" altLang="zh-CN" sz="1600" dirty="0"/>
-              <a:t>Stage I: Close to 99%</a:t>
-            </a:r>
-          </a:p>
-          <a:p>
-            <a:pPr lvl="1"/>
-            <a:r>
-              <a:rPr kumimoji="1" lang="en-US" altLang="zh-CN" sz="1600" dirty="0"/>
-              <a:t>Stage II: About 93%</a:t>
-            </a:r>
-          </a:p>
-          <a:p>
-            <a:pPr lvl="1"/>
-            <a:r>
-              <a:rPr kumimoji="1" lang="en-US" altLang="zh-CN" sz="1600" dirty="0"/>
-              <a:t>Stage III: Approximately 72%</a:t>
-            </a:r>
-          </a:p>
-          <a:p>
-            <a:pPr lvl="1"/>
-            <a:r>
-              <a:rPr kumimoji="1" lang="en-US" altLang="zh-CN" sz="1600" dirty="0"/>
-              <a:t>Stage IV: Around 28%</a:t>
-            </a:r>
-          </a:p>
-          <a:p>
-            <a:r>
-              <a:rPr kumimoji="1" lang="en-US" altLang="zh-CN" sz="2000" dirty="0"/>
-              <a:t>Impact: </a:t>
-            </a:r>
-          </a:p>
-          <a:p>
-            <a:pPr lvl="1"/>
-            <a:r>
-              <a:rPr kumimoji="1" lang="en-US" altLang="zh-CN" sz="1600" dirty="0"/>
-              <a:t>Prevent ~1 million late-stage diagnoses annually, saving lives</a:t>
-            </a:r>
-          </a:p>
-        </p:txBody>
-      </p:sp>
-    </p:spTree>
-    <p:extLst>
-      <p:ext uri="{BB962C8B-B14F-4D97-AF65-F5344CB8AC3E}">
-        <p14:creationId xmlns:p14="http://schemas.microsoft.com/office/powerpoint/2010/main" val="3108553474"/>
-      </p:ext>
-    </p:extLst>
-  </p:cSld>
-  <p:clrMapOvr>
-    <a:masterClrMapping/>
-  </p:clrMapOvr>
-</p:sld>
-</file>
-
-<file path=ppt/slides/slide9.xml><?xml version="1.0" encoding="utf-8"?>
-<p:sld xmlns:a="http://schemas.openxmlformats.org/drawingml/2006/main" xmlns:r="http://schemas.openxmlformats.org/officeDocument/2006/relationships" xmlns:p="http://schemas.openxmlformats.org/presentationml/2006/main">
-  <p:cSld>
-    <p:spTree>
-      <p:nvGrpSpPr>
-        <p:cNvPr id="1" name=""/>
-        <p:cNvGrpSpPr/>
-        <p:nvPr/>
-      </p:nvGrpSpPr>
-      <p:grpSpPr>
-        <a:xfrm>
-          <a:off x="0" y="0"/>
-          <a:ext cx="0" cy="0"/>
-          <a:chOff x="0" y="0"/>
-          <a:chExt cx="0" cy="0"/>
-        </a:xfrm>
-      </p:grpSpPr>
-      <p:sp>
-        <p:nvSpPr>
-          <p:cNvPr id="2" name="标题 1">
-            <a:extLst>
-              <a:ext uri="{FF2B5EF4-FFF2-40B4-BE49-F238E27FC236}">
-                <a16:creationId xmlns:a16="http://schemas.microsoft.com/office/drawing/2014/main" id="{8E7B4FA9-D9B3-92F9-84E5-7E081CC2ED54}"/>
-              </a:ext>
-            </a:extLst>
-          </p:cNvPr>
-          <p:cNvSpPr>
-            <a:spLocks noGrp="1"/>
-          </p:cNvSpPr>
-          <p:nvPr>
-            <p:ph type="title"/>
-          </p:nvPr>
-        </p:nvSpPr>
-        <p:spPr/>
-        <p:txBody>
-          <a:bodyPr/>
-          <a:lstStyle/>
-          <a:p>
-            <a:r>
-              <a:rPr kumimoji="1" lang="en-US" altLang="zh-CN" dirty="0"/>
-              <a:t>Risks - What are the major risks?</a:t>
-            </a:r>
-            <a:endParaRPr kumimoji="1" lang="zh-CN" altLang="en-US" dirty="0"/>
-          </a:p>
-        </p:txBody>
-      </p:sp>
-      <p:sp>
-        <p:nvSpPr>
-          <p:cNvPr id="3" name="内容占位符 2">
-            <a:extLst>
-              <a:ext uri="{FF2B5EF4-FFF2-40B4-BE49-F238E27FC236}">
-                <a16:creationId xmlns:a16="http://schemas.microsoft.com/office/drawing/2014/main" id="{0446A70F-E70D-016F-8BDA-F1F1BC14F50A}"/>
-              </a:ext>
-            </a:extLst>
-          </p:cNvPr>
-          <p:cNvSpPr>
-            <a:spLocks noGrp="1"/>
-          </p:cNvSpPr>
-          <p:nvPr>
-            <p:ph idx="1"/>
-          </p:nvPr>
-        </p:nvSpPr>
-        <p:spPr/>
-        <p:txBody>
-          <a:bodyPr/>
-          <a:lstStyle/>
-          <a:p>
-            <a:pPr>
-              <a:lnSpc>
-                <a:spcPct val="150000"/>
-              </a:lnSpc>
-            </a:pPr>
-            <a:r>
-              <a:rPr kumimoji="1" lang="en-US" altLang="zh-CN" sz="2000" dirty="0"/>
-              <a:t>Prediction Error:</a:t>
-            </a:r>
-          </a:p>
-          <a:p>
-            <a:pPr lvl="1">
-              <a:lnSpc>
-                <a:spcPct val="150000"/>
-              </a:lnSpc>
-            </a:pPr>
-            <a:r>
-              <a:rPr kumimoji="1" lang="en-US" altLang="zh-CN" sz="1600" dirty="0"/>
-              <a:t>ML models prone to error → potential misdiagnosis</a:t>
-            </a:r>
-          </a:p>
-          <a:p>
-            <a:pPr lvl="1">
-              <a:lnSpc>
-                <a:spcPct val="150000"/>
-              </a:lnSpc>
-            </a:pPr>
-            <a:r>
-              <a:rPr kumimoji="1" lang="en-US" altLang="zh-CN" sz="1600" dirty="0"/>
-              <a:t>Minimizing error will be our key focus</a:t>
-            </a:r>
-          </a:p>
-          <a:p>
-            <a:pPr>
-              <a:lnSpc>
-                <a:spcPct val="150000"/>
-              </a:lnSpc>
-            </a:pPr>
-            <a:r>
-              <a:rPr kumimoji="1" lang="en-US" altLang="zh-CN" sz="2000" dirty="0"/>
-              <a:t>Data Quality:</a:t>
-            </a:r>
-          </a:p>
-          <a:p>
-            <a:pPr lvl="1">
-              <a:lnSpc>
-                <a:spcPct val="150000"/>
-              </a:lnSpc>
-            </a:pPr>
-            <a:r>
-              <a:rPr kumimoji="1" lang="en-US" altLang="zh-CN" sz="1600" dirty="0"/>
-              <a:t>Poor data → biased results</a:t>
-            </a:r>
-          </a:p>
-          <a:p>
-            <a:pPr lvl="1">
-              <a:lnSpc>
-                <a:spcPct val="150000"/>
-              </a:lnSpc>
-            </a:pPr>
-            <a:r>
-              <a:rPr kumimoji="1" lang="en-US" altLang="zh-CN" sz="1600" dirty="0"/>
-              <a:t>Importance of careful dataset selection and validation</a:t>
-            </a:r>
-          </a:p>
-        </p:txBody>
-      </p:sp>
-    </p:spTree>
-    <p:extLst>
-      <p:ext uri="{BB962C8B-B14F-4D97-AF65-F5344CB8AC3E}">
-        <p14:creationId xmlns:p14="http://schemas.microsoft.com/office/powerpoint/2010/main" val="1442626253"/>
       </p:ext>
     </p:extLst>
   </p:cSld>
@@ -5814,4 +5019,24 @@
   </a:objectDefaults>
   <a:extraClrSchemeLst/>
 </a:theme>
+</file>
+
+<file path=ppt/webextensions/taskpanes.xml><?xml version="1.0" encoding="utf-8"?>
+<wetp:taskpanes xmlns:wetp="http://schemas.microsoft.com/office/webextensions/taskpanes/2010/11">
+  <wetp:taskpane dockstate="right" visibility="0" width="438" row="0">
+    <wetp:webextensionref xmlns:r="http://schemas.openxmlformats.org/officeDocument/2006/relationships" r:id="rId1"/>
+  </wetp:taskpane>
+</wetp:taskpanes>
+</file>
+
+<file path=ppt/webextensions/webextension1.xml><?xml version="1.0" encoding="utf-8"?>
+<we:webextension xmlns:we="http://schemas.microsoft.com/office/webextensions/webextension/2010/11" id="{71BD70EC-819C-4639-98E9-E7F3E3868FA3}">
+  <we:reference id="wa200005566" version="3.0.0.2" store="zh-CN" storeType="OMEX"/>
+  <we:alternateReferences>
+    <we:reference id="wa200005566" version="3.0.0.2" store="wa200005566" storeType="OMEX"/>
+  </we:alternateReferences>
+  <we:properties/>
+  <we:bindings/>
+  <we:snapshot xmlns:r="http://schemas.openxmlformats.org/officeDocument/2006/relationships"/>
+</we:webextension>
 </file>